--- a/Presentations/Avidity investigation.pptx
+++ b/Presentations/Avidity investigation.pptx
@@ -10,6 +10,10 @@
     <p:sldId id="258" r:id="rId4"/>
     <p:sldId id="259" r:id="rId5"/>
     <p:sldId id="260" r:id="rId6"/>
+    <p:sldId id="261" r:id="rId7"/>
+    <p:sldId id="262" r:id="rId8"/>
+    <p:sldId id="263" r:id="rId9"/>
+    <p:sldId id="264" r:id="rId10"/>
   </p:sldIdLst>
   <p:sldSz cx="12192000" cy="6858000"/>
   <p:notesSz cx="6858000" cy="9144000"/>
@@ -108,6 +112,11 @@
       </a:defRPr>
     </a:lvl9pPr>
   </p:defaultTextStyle>
+  <p:extLst>
+    <p:ext uri="{EFAFB233-063F-42B5-8137-9DF3F51BA10A}">
+      <p15:sldGuideLst xmlns:p15="http://schemas.microsoft.com/office/powerpoint/2012/main"/>
+    </p:ext>
+  </p:extLst>
 </p:presentation>
 </file>
 
@@ -260,7 +269,7 @@
           <a:p>
             <a:fld id="{7D91C327-072E-F74C-89A7-C05981E84368}" type="datetimeFigureOut">
               <a:rPr lang="en-US" smtClean="0"/>
-              <a:t>9/14/23</a:t>
+              <a:t>9/22/23</a:t>
             </a:fld>
             <a:endParaRPr lang="en-US"/>
           </a:p>
@@ -460,7 +469,7 @@
           <a:p>
             <a:fld id="{7D91C327-072E-F74C-89A7-C05981E84368}" type="datetimeFigureOut">
               <a:rPr lang="en-US" smtClean="0"/>
-              <a:t>9/14/23</a:t>
+              <a:t>9/22/23</a:t>
             </a:fld>
             <a:endParaRPr lang="en-US"/>
           </a:p>
@@ -670,7 +679,7 @@
           <a:p>
             <a:fld id="{7D91C327-072E-F74C-89A7-C05981E84368}" type="datetimeFigureOut">
               <a:rPr lang="en-US" smtClean="0"/>
-              <a:t>9/14/23</a:t>
+              <a:t>9/22/23</a:t>
             </a:fld>
             <a:endParaRPr lang="en-US"/>
           </a:p>
@@ -870,7 +879,7 @@
           <a:p>
             <a:fld id="{7D91C327-072E-F74C-89A7-C05981E84368}" type="datetimeFigureOut">
               <a:rPr lang="en-US" smtClean="0"/>
-              <a:t>9/14/23</a:t>
+              <a:t>9/22/23</a:t>
             </a:fld>
             <a:endParaRPr lang="en-US"/>
           </a:p>
@@ -1146,7 +1155,7 @@
           <a:p>
             <a:fld id="{7D91C327-072E-F74C-89A7-C05981E84368}" type="datetimeFigureOut">
               <a:rPr lang="en-US" smtClean="0"/>
-              <a:t>9/14/23</a:t>
+              <a:t>9/22/23</a:t>
             </a:fld>
             <a:endParaRPr lang="en-US"/>
           </a:p>
@@ -1414,7 +1423,7 @@
           <a:p>
             <a:fld id="{7D91C327-072E-F74C-89A7-C05981E84368}" type="datetimeFigureOut">
               <a:rPr lang="en-US" smtClean="0"/>
-              <a:t>9/14/23</a:t>
+              <a:t>9/22/23</a:t>
             </a:fld>
             <a:endParaRPr lang="en-US"/>
           </a:p>
@@ -1829,7 +1838,7 @@
           <a:p>
             <a:fld id="{7D91C327-072E-F74C-89A7-C05981E84368}" type="datetimeFigureOut">
               <a:rPr lang="en-US" smtClean="0"/>
-              <a:t>9/14/23</a:t>
+              <a:t>9/22/23</a:t>
             </a:fld>
             <a:endParaRPr lang="en-US"/>
           </a:p>
@@ -1971,7 +1980,7 @@
           <a:p>
             <a:fld id="{7D91C327-072E-F74C-89A7-C05981E84368}" type="datetimeFigureOut">
               <a:rPr lang="en-US" smtClean="0"/>
-              <a:t>9/14/23</a:t>
+              <a:t>9/22/23</a:t>
             </a:fld>
             <a:endParaRPr lang="en-US"/>
           </a:p>
@@ -2084,7 +2093,7 @@
           <a:p>
             <a:fld id="{7D91C327-072E-F74C-89A7-C05981E84368}" type="datetimeFigureOut">
               <a:rPr lang="en-US" smtClean="0"/>
-              <a:t>9/14/23</a:t>
+              <a:t>9/22/23</a:t>
             </a:fld>
             <a:endParaRPr lang="en-US"/>
           </a:p>
@@ -2397,7 +2406,7 @@
           <a:p>
             <a:fld id="{7D91C327-072E-F74C-89A7-C05981E84368}" type="datetimeFigureOut">
               <a:rPr lang="en-US" smtClean="0"/>
-              <a:t>9/14/23</a:t>
+              <a:t>9/22/23</a:t>
             </a:fld>
             <a:endParaRPr lang="en-US"/>
           </a:p>
@@ -2686,7 +2695,7 @@
           <a:p>
             <a:fld id="{7D91C327-072E-F74C-89A7-C05981E84368}" type="datetimeFigureOut">
               <a:rPr lang="en-US" smtClean="0"/>
-              <a:t>9/14/23</a:t>
+              <a:t>9/22/23</a:t>
             </a:fld>
             <a:endParaRPr lang="en-US"/>
           </a:p>
@@ -2929,7 +2938,7 @@
           <a:p>
             <a:fld id="{7D91C327-072E-F74C-89A7-C05981E84368}" type="datetimeFigureOut">
               <a:rPr lang="en-US" smtClean="0"/>
-              <a:t>9/14/23</a:t>
+              <a:t>9/22/23</a:t>
             </a:fld>
             <a:endParaRPr lang="en-US"/>
           </a:p>
@@ -4282,6 +4291,874 @@
 </p:sld>
 </file>
 
+<file path=ppt/slides/slide6.xml><?xml version="1.0" encoding="utf-8"?>
+<p:sld xmlns:a="http://schemas.openxmlformats.org/drawingml/2006/main" xmlns:r="http://schemas.openxmlformats.org/officeDocument/2006/relationships" xmlns:p="http://schemas.openxmlformats.org/presentationml/2006/main">
+  <p:cSld>
+    <p:spTree>
+      <p:nvGrpSpPr>
+        <p:cNvPr id="1" name=""/>
+        <p:cNvGrpSpPr/>
+        <p:nvPr/>
+      </p:nvGrpSpPr>
+      <p:grpSpPr>
+        <a:xfrm>
+          <a:off x="0" y="0"/>
+          <a:ext cx="0" cy="0"/>
+          <a:chOff x="0" y="0"/>
+          <a:chExt cx="0" cy="0"/>
+        </a:xfrm>
+      </p:grpSpPr>
+      <p:sp>
+        <p:nvSpPr>
+          <p:cNvPr id="2" name="Title 1">
+            <a:extLst>
+              <a:ext uri="{FF2B5EF4-FFF2-40B4-BE49-F238E27FC236}">
+                <a16:creationId xmlns:a16="http://schemas.microsoft.com/office/drawing/2014/main" id="{66E2ABA3-1FDD-0122-C593-F43E8CE824A8}"/>
+              </a:ext>
+            </a:extLst>
+          </p:cNvPr>
+          <p:cNvSpPr>
+            <a:spLocks noGrp="1"/>
+          </p:cNvSpPr>
+          <p:nvPr>
+            <p:ph type="title"/>
+          </p:nvPr>
+        </p:nvSpPr>
+        <p:spPr/>
+        <p:txBody>
+          <a:bodyPr/>
+          <a:lstStyle/>
+          <a:p>
+            <a:pPr algn="ctr"/>
+            <a:r>
+              <a:rPr lang="en-US" dirty="0"/>
+              <a:t>Bound Antibody Number EC50 Sensitivity analysis</a:t>
+            </a:r>
+          </a:p>
+        </p:txBody>
+      </p:sp>
+      <p:pic>
+        <p:nvPicPr>
+          <p:cNvPr id="5" name="Content Placeholder 4" descr="A graph with different colored squares&#10;&#10;Description automatically generated">
+            <a:extLst>
+              <a:ext uri="{FF2B5EF4-FFF2-40B4-BE49-F238E27FC236}">
+                <a16:creationId xmlns:a16="http://schemas.microsoft.com/office/drawing/2014/main" id="{CC9C3DBC-6081-C1BB-4B65-A47B4A85C7D7}"/>
+              </a:ext>
+            </a:extLst>
+          </p:cNvPr>
+          <p:cNvPicPr>
+            <a:picLocks noGrp="1" noChangeAspect="1"/>
+          </p:cNvPicPr>
+          <p:nvPr>
+            <p:ph idx="1"/>
+          </p:nvPr>
+        </p:nvPicPr>
+        <p:blipFill>
+          <a:blip r:embed="rId2"/>
+          <a:stretch>
+            <a:fillRect/>
+          </a:stretch>
+        </p:blipFill>
+        <p:spPr>
+          <a:xfrm>
+            <a:off x="358510" y="2120104"/>
+            <a:ext cx="5975615" cy="3585369"/>
+          </a:xfrm>
+        </p:spPr>
+      </p:pic>
+      <p:pic>
+        <p:nvPicPr>
+          <p:cNvPr id="7" name="Picture 6" descr="A graph with blue and orange squares&#10;&#10;Description automatically generated">
+            <a:extLst>
+              <a:ext uri="{FF2B5EF4-FFF2-40B4-BE49-F238E27FC236}">
+                <a16:creationId xmlns:a16="http://schemas.microsoft.com/office/drawing/2014/main" id="{969A5306-67CC-835E-F644-D4CC0985DC3E}"/>
+              </a:ext>
+            </a:extLst>
+          </p:cNvPr>
+          <p:cNvPicPr>
+            <a:picLocks noChangeAspect="1"/>
+          </p:cNvPicPr>
+          <p:nvPr/>
+        </p:nvPicPr>
+        <p:blipFill>
+          <a:blip r:embed="rId3"/>
+          <a:stretch>
+            <a:fillRect/>
+          </a:stretch>
+        </p:blipFill>
+        <p:spPr>
+          <a:xfrm>
+            <a:off x="6096000" y="2120105"/>
+            <a:ext cx="5975615" cy="3585369"/>
+          </a:xfrm>
+          <a:prstGeom prst="rect">
+            <a:avLst/>
+          </a:prstGeom>
+        </p:spPr>
+      </p:pic>
+      <p:sp>
+        <p:nvSpPr>
+          <p:cNvPr id="10" name="TextBox 9">
+            <a:extLst>
+              <a:ext uri="{FF2B5EF4-FFF2-40B4-BE49-F238E27FC236}">
+                <a16:creationId xmlns:a16="http://schemas.microsoft.com/office/drawing/2014/main" id="{6D41910A-AAC2-5D12-FB91-32E608F036D5}"/>
+              </a:ext>
+            </a:extLst>
+          </p:cNvPr>
+          <p:cNvSpPr txBox="1"/>
+          <p:nvPr/>
+        </p:nvSpPr>
+        <p:spPr>
+          <a:xfrm>
+            <a:off x="2516698" y="1935437"/>
+            <a:ext cx="1853966" cy="369332"/>
+          </a:xfrm>
+          <a:prstGeom prst="rect">
+            <a:avLst/>
+          </a:prstGeom>
+          <a:noFill/>
+        </p:spPr>
+        <p:txBody>
+          <a:bodyPr wrap="square" rtlCol="0">
+            <a:spAutoFit/>
+          </a:bodyPr>
+          <a:lstStyle/>
+          <a:p>
+            <a:r>
+              <a:rPr lang="en-US" dirty="0"/>
+              <a:t>Bivalent antibody</a:t>
+            </a:r>
+          </a:p>
+        </p:txBody>
+      </p:sp>
+      <p:sp>
+        <p:nvSpPr>
+          <p:cNvPr id="11" name="TextBox 10">
+            <a:extLst>
+              <a:ext uri="{FF2B5EF4-FFF2-40B4-BE49-F238E27FC236}">
+                <a16:creationId xmlns:a16="http://schemas.microsoft.com/office/drawing/2014/main" id="{2CE5D898-695B-AA89-E11F-7C132F1B07C7}"/>
+              </a:ext>
+            </a:extLst>
+          </p:cNvPr>
+          <p:cNvSpPr txBox="1"/>
+          <p:nvPr/>
+        </p:nvSpPr>
+        <p:spPr>
+          <a:xfrm>
+            <a:off x="8246378" y="1935438"/>
+            <a:ext cx="2205412" cy="369332"/>
+          </a:xfrm>
+          <a:prstGeom prst="rect">
+            <a:avLst/>
+          </a:prstGeom>
+          <a:noFill/>
+        </p:spPr>
+        <p:txBody>
+          <a:bodyPr wrap="none" rtlCol="0">
+            <a:spAutoFit/>
+          </a:bodyPr>
+          <a:lstStyle/>
+          <a:p>
+            <a:r>
+              <a:rPr lang="en-US" dirty="0"/>
+              <a:t>Monovalent antibody</a:t>
+            </a:r>
+          </a:p>
+        </p:txBody>
+      </p:sp>
+    </p:spTree>
+    <p:extLst>
+      <p:ext uri="{BB962C8B-B14F-4D97-AF65-F5344CB8AC3E}">
+        <p14:creationId xmlns:p14="http://schemas.microsoft.com/office/powerpoint/2010/main" val="303693137"/>
+      </p:ext>
+    </p:extLst>
+  </p:cSld>
+  <p:clrMapOvr>
+    <a:masterClrMapping/>
+  </p:clrMapOvr>
+</p:sld>
+</file>
+
+<file path=ppt/slides/slide7.xml><?xml version="1.0" encoding="utf-8"?>
+<p:sld xmlns:a="http://schemas.openxmlformats.org/drawingml/2006/main" xmlns:r="http://schemas.openxmlformats.org/officeDocument/2006/relationships" xmlns:p="http://schemas.openxmlformats.org/presentationml/2006/main">
+  <p:cSld>
+    <p:spTree>
+      <p:nvGrpSpPr>
+        <p:cNvPr id="1" name=""/>
+        <p:cNvGrpSpPr/>
+        <p:nvPr/>
+      </p:nvGrpSpPr>
+      <p:grpSpPr>
+        <a:xfrm>
+          <a:off x="0" y="0"/>
+          <a:ext cx="0" cy="0"/>
+          <a:chOff x="0" y="0"/>
+          <a:chExt cx="0" cy="0"/>
+        </a:xfrm>
+      </p:grpSpPr>
+      <p:sp>
+        <p:nvSpPr>
+          <p:cNvPr id="2" name="Title 1">
+            <a:extLst>
+              <a:ext uri="{FF2B5EF4-FFF2-40B4-BE49-F238E27FC236}">
+                <a16:creationId xmlns:a16="http://schemas.microsoft.com/office/drawing/2014/main" id="{BF1535C1-0AAD-E300-D0AD-AC1118118310}"/>
+              </a:ext>
+            </a:extLst>
+          </p:cNvPr>
+          <p:cNvSpPr>
+            <a:spLocks noGrp="1"/>
+          </p:cNvSpPr>
+          <p:nvPr>
+            <p:ph type="title"/>
+          </p:nvPr>
+        </p:nvSpPr>
+        <p:spPr/>
+        <p:txBody>
+          <a:bodyPr/>
+          <a:lstStyle/>
+          <a:p>
+            <a:r>
+              <a:rPr lang="en-US" dirty="0"/>
+              <a:t>Receptor Occupancy EC50 Sensitivity Analysis</a:t>
+            </a:r>
+          </a:p>
+        </p:txBody>
+      </p:sp>
+      <p:pic>
+        <p:nvPicPr>
+          <p:cNvPr id="4" name="Picture 3" descr="A graph with blue and orange squares&#10;&#10;Description automatically generated">
+            <a:extLst>
+              <a:ext uri="{FF2B5EF4-FFF2-40B4-BE49-F238E27FC236}">
+                <a16:creationId xmlns:a16="http://schemas.microsoft.com/office/drawing/2014/main" id="{FFCA1744-3A68-7BC7-8EE9-A936637D03E7}"/>
+              </a:ext>
+            </a:extLst>
+          </p:cNvPr>
+          <p:cNvPicPr>
+            <a:picLocks noChangeAspect="1"/>
+          </p:cNvPicPr>
+          <p:nvPr/>
+        </p:nvPicPr>
+        <p:blipFill>
+          <a:blip r:embed="rId2"/>
+          <a:stretch>
+            <a:fillRect/>
+          </a:stretch>
+        </p:blipFill>
+        <p:spPr>
+          <a:xfrm>
+            <a:off x="6096000" y="2120105"/>
+            <a:ext cx="5975615" cy="3585369"/>
+          </a:xfrm>
+          <a:prstGeom prst="rect">
+            <a:avLst/>
+          </a:prstGeom>
+        </p:spPr>
+      </p:pic>
+      <p:sp>
+        <p:nvSpPr>
+          <p:cNvPr id="5" name="TextBox 4">
+            <a:extLst>
+              <a:ext uri="{FF2B5EF4-FFF2-40B4-BE49-F238E27FC236}">
+                <a16:creationId xmlns:a16="http://schemas.microsoft.com/office/drawing/2014/main" id="{41391855-AB54-97B3-DFE9-AADF63DA4939}"/>
+              </a:ext>
+            </a:extLst>
+          </p:cNvPr>
+          <p:cNvSpPr txBox="1"/>
+          <p:nvPr/>
+        </p:nvSpPr>
+        <p:spPr>
+          <a:xfrm>
+            <a:off x="8246378" y="1935438"/>
+            <a:ext cx="2205412" cy="369332"/>
+          </a:xfrm>
+          <a:prstGeom prst="rect">
+            <a:avLst/>
+          </a:prstGeom>
+          <a:noFill/>
+        </p:spPr>
+        <p:txBody>
+          <a:bodyPr wrap="none" rtlCol="0">
+            <a:spAutoFit/>
+          </a:bodyPr>
+          <a:lstStyle/>
+          <a:p>
+            <a:r>
+              <a:rPr lang="en-US" dirty="0"/>
+              <a:t>Monovalent antibody</a:t>
+            </a:r>
+          </a:p>
+        </p:txBody>
+      </p:sp>
+      <p:pic>
+        <p:nvPicPr>
+          <p:cNvPr id="7" name="Picture 6" descr="A purple bar graph with white text&#10;&#10;Description automatically generated">
+            <a:extLst>
+              <a:ext uri="{FF2B5EF4-FFF2-40B4-BE49-F238E27FC236}">
+                <a16:creationId xmlns:a16="http://schemas.microsoft.com/office/drawing/2014/main" id="{E21B4CE9-F3DB-422B-6616-593DCEA503F1}"/>
+              </a:ext>
+            </a:extLst>
+          </p:cNvPr>
+          <p:cNvPicPr>
+            <a:picLocks noChangeAspect="1"/>
+          </p:cNvPicPr>
+          <p:nvPr/>
+        </p:nvPicPr>
+        <p:blipFill>
+          <a:blip r:embed="rId3"/>
+          <a:stretch>
+            <a:fillRect/>
+          </a:stretch>
+        </p:blipFill>
+        <p:spPr>
+          <a:xfrm>
+            <a:off x="428160" y="2120103"/>
+            <a:ext cx="5848618" cy="3509171"/>
+          </a:xfrm>
+          <a:prstGeom prst="rect">
+            <a:avLst/>
+          </a:prstGeom>
+        </p:spPr>
+      </p:pic>
+      <p:sp>
+        <p:nvSpPr>
+          <p:cNvPr id="8" name="TextBox 7">
+            <a:extLst>
+              <a:ext uri="{FF2B5EF4-FFF2-40B4-BE49-F238E27FC236}">
+                <a16:creationId xmlns:a16="http://schemas.microsoft.com/office/drawing/2014/main" id="{1094984F-3CB4-BA8E-0D37-873C12A56513}"/>
+              </a:ext>
+            </a:extLst>
+          </p:cNvPr>
+          <p:cNvSpPr txBox="1"/>
+          <p:nvPr/>
+        </p:nvSpPr>
+        <p:spPr>
+          <a:xfrm>
+            <a:off x="2619375" y="1895475"/>
+            <a:ext cx="1821717" cy="369332"/>
+          </a:xfrm>
+          <a:prstGeom prst="rect">
+            <a:avLst/>
+          </a:prstGeom>
+          <a:noFill/>
+        </p:spPr>
+        <p:txBody>
+          <a:bodyPr wrap="none" rtlCol="0">
+            <a:spAutoFit/>
+          </a:bodyPr>
+          <a:lstStyle/>
+          <a:p>
+            <a:r>
+              <a:rPr lang="en-US" dirty="0"/>
+              <a:t>Bivalent antibody</a:t>
+            </a:r>
+          </a:p>
+        </p:txBody>
+      </p:sp>
+    </p:spTree>
+    <p:extLst>
+      <p:ext uri="{BB962C8B-B14F-4D97-AF65-F5344CB8AC3E}">
+        <p14:creationId xmlns:p14="http://schemas.microsoft.com/office/powerpoint/2010/main" val="1095414369"/>
+      </p:ext>
+    </p:extLst>
+  </p:cSld>
+  <p:clrMapOvr>
+    <a:masterClrMapping/>
+  </p:clrMapOvr>
+</p:sld>
+</file>
+
+<file path=ppt/slides/slide8.xml><?xml version="1.0" encoding="utf-8"?>
+<p:sld xmlns:a="http://schemas.openxmlformats.org/drawingml/2006/main" xmlns:r="http://schemas.openxmlformats.org/officeDocument/2006/relationships" xmlns:p="http://schemas.openxmlformats.org/presentationml/2006/main">
+  <p:cSld>
+    <p:bg>
+      <p:bgPr>
+        <a:solidFill>
+          <a:schemeClr val="bg1"/>
+        </a:solidFill>
+        <a:effectLst/>
+      </p:bgPr>
+    </p:bg>
+    <p:spTree>
+      <p:nvGrpSpPr>
+        <p:cNvPr id="1" name=""/>
+        <p:cNvGrpSpPr/>
+        <p:nvPr/>
+      </p:nvGrpSpPr>
+      <p:grpSpPr>
+        <a:xfrm>
+          <a:off x="0" y="0"/>
+          <a:ext cx="0" cy="0"/>
+          <a:chOff x="0" y="0"/>
+          <a:chExt cx="0" cy="0"/>
+        </a:xfrm>
+      </p:grpSpPr>
+      <p:sp useBgFill="1">
+        <p:nvSpPr>
+          <p:cNvPr id="12" name="Rectangle 11">
+            <a:extLst>
+              <a:ext uri="{FF2B5EF4-FFF2-40B4-BE49-F238E27FC236}">
+                <a16:creationId xmlns:a16="http://schemas.microsoft.com/office/drawing/2014/main" id="{99ED5833-B85B-4103-8A3B-CAB0308E6C15}"/>
+              </a:ext>
+              <a:ext uri="{C183D7F6-B498-43B3-948B-1728B52AA6E4}">
+                <adec:decorative xmlns:adec="http://schemas.microsoft.com/office/drawing/2017/decorative" val="1"/>
+              </a:ext>
+            </a:extLst>
+          </p:cNvPr>
+          <p:cNvSpPr>
+            <a:spLocks noGrp="1" noRot="1" noChangeAspect="1" noMove="1" noResize="1" noEditPoints="1" noAdjustHandles="1" noChangeArrowheads="1" noChangeShapeType="1" noTextEdit="1"/>
+          </p:cNvSpPr>
+          <p:nvPr>
+            <p:extLst>
+              <p:ext uri="{386F3935-93C4-4BCD-93E2-E3B085C9AB24}">
+                <p16:designElem xmlns:p16="http://schemas.microsoft.com/office/powerpoint/2015/main" val="1"/>
+              </p:ext>
+            </p:extLst>
+          </p:nvPr>
+        </p:nvSpPr>
+        <p:spPr>
+          <a:xfrm>
+            <a:off x="-1" y="0"/>
+            <a:ext cx="12188952" cy="6858000"/>
+          </a:xfrm>
+          <a:prstGeom prst="rect">
+            <a:avLst/>
+          </a:prstGeom>
+          <a:ln>
+            <a:noFill/>
+          </a:ln>
+        </p:spPr>
+        <p:style>
+          <a:lnRef idx="2">
+            <a:schemeClr val="accent1">
+              <a:shade val="50000"/>
+            </a:schemeClr>
+          </a:lnRef>
+          <a:fillRef idx="1">
+            <a:schemeClr val="accent1"/>
+          </a:fillRef>
+          <a:effectRef idx="0">
+            <a:schemeClr val="accent1"/>
+          </a:effectRef>
+          <a:fontRef idx="minor">
+            <a:schemeClr val="lt1"/>
+          </a:fontRef>
+        </p:style>
+        <p:txBody>
+          <a:bodyPr rtlCol="0" anchor="ctr"/>
+          <a:lstStyle/>
+          <a:p>
+            <a:pPr algn="ctr"/>
+            <a:endParaRPr lang="en-US"/>
+          </a:p>
+        </p:txBody>
+      </p:sp>
+      <p:sp>
+        <p:nvSpPr>
+          <p:cNvPr id="2" name="Title 1">
+            <a:extLst>
+              <a:ext uri="{FF2B5EF4-FFF2-40B4-BE49-F238E27FC236}">
+                <a16:creationId xmlns:a16="http://schemas.microsoft.com/office/drawing/2014/main" id="{97E10382-5BE4-C4D2-9BB4-6A0F51127CDD}"/>
+              </a:ext>
+            </a:extLst>
+          </p:cNvPr>
+          <p:cNvSpPr>
+            <a:spLocks noGrp="1"/>
+          </p:cNvSpPr>
+          <p:nvPr>
+            <p:ph type="title"/>
+          </p:nvPr>
+        </p:nvSpPr>
+        <p:spPr>
+          <a:xfrm>
+            <a:off x="1198181" y="560881"/>
+            <a:ext cx="9795638" cy="1114380"/>
+          </a:xfrm>
+        </p:spPr>
+        <p:txBody>
+          <a:bodyPr vert="horz" lIns="91440" tIns="45720" rIns="91440" bIns="45720" rtlCol="0" anchor="b">
+            <a:normAutofit/>
+          </a:bodyPr>
+          <a:lstStyle/>
+          <a:p>
+            <a:pPr algn="ctr"/>
+            <a:r>
+              <a:rPr lang="en-US" sz="5200"/>
+              <a:t>Change in Ec50 Sensitivity Analysis</a:t>
+            </a:r>
+          </a:p>
+        </p:txBody>
+      </p:sp>
+      <p:pic>
+        <p:nvPicPr>
+          <p:cNvPr id="5" name="Picture 4" descr="A graph of different colored bars&#10;&#10;Description automatically generated with medium confidence">
+            <a:extLst>
+              <a:ext uri="{FF2B5EF4-FFF2-40B4-BE49-F238E27FC236}">
+                <a16:creationId xmlns:a16="http://schemas.microsoft.com/office/drawing/2014/main" id="{84227C0D-9F21-89CD-1EF7-64B6F89BF5EB}"/>
+              </a:ext>
+            </a:extLst>
+          </p:cNvPr>
+          <p:cNvPicPr>
+            <a:picLocks noChangeAspect="1"/>
+          </p:cNvPicPr>
+          <p:nvPr/>
+        </p:nvPicPr>
+        <p:blipFill>
+          <a:blip r:embed="rId2"/>
+          <a:stretch>
+            <a:fillRect/>
+          </a:stretch>
+        </p:blipFill>
+        <p:spPr>
+          <a:xfrm>
+            <a:off x="306719" y="2367115"/>
+            <a:ext cx="5577293" cy="3346376"/>
+          </a:xfrm>
+          <a:prstGeom prst="rect">
+            <a:avLst/>
+          </a:prstGeom>
+        </p:spPr>
+      </p:pic>
+      <p:pic>
+        <p:nvPicPr>
+          <p:cNvPr id="7" name="Picture 6" descr="A graph of different colored bars&#10;&#10;Description automatically generated with medium confidence">
+            <a:extLst>
+              <a:ext uri="{FF2B5EF4-FFF2-40B4-BE49-F238E27FC236}">
+                <a16:creationId xmlns:a16="http://schemas.microsoft.com/office/drawing/2014/main" id="{8217BC46-F85E-FFD5-D71B-93CE6ABEB194}"/>
+              </a:ext>
+            </a:extLst>
+          </p:cNvPr>
+          <p:cNvPicPr>
+            <a:picLocks noChangeAspect="1"/>
+          </p:cNvPicPr>
+          <p:nvPr/>
+        </p:nvPicPr>
+        <p:blipFill>
+          <a:blip r:embed="rId3"/>
+          <a:stretch>
+            <a:fillRect/>
+          </a:stretch>
+        </p:blipFill>
+        <p:spPr>
+          <a:xfrm>
+            <a:off x="6295155" y="2367115"/>
+            <a:ext cx="5577293" cy="3346376"/>
+          </a:xfrm>
+          <a:prstGeom prst="rect">
+            <a:avLst/>
+          </a:prstGeom>
+        </p:spPr>
+      </p:pic>
+      <p:sp>
+        <p:nvSpPr>
+          <p:cNvPr id="8" name="TextBox 7">
+            <a:extLst>
+              <a:ext uri="{FF2B5EF4-FFF2-40B4-BE49-F238E27FC236}">
+                <a16:creationId xmlns:a16="http://schemas.microsoft.com/office/drawing/2014/main" id="{F7E24CF9-2AD7-95EB-2B72-D1C0E0B6C617}"/>
+              </a:ext>
+            </a:extLst>
+          </p:cNvPr>
+          <p:cNvSpPr txBox="1"/>
+          <p:nvPr/>
+        </p:nvSpPr>
+        <p:spPr>
+          <a:xfrm>
+            <a:off x="1428750" y="2236142"/>
+            <a:ext cx="3555076" cy="369332"/>
+          </a:xfrm>
+          <a:prstGeom prst="rect">
+            <a:avLst/>
+          </a:prstGeom>
+          <a:noFill/>
+        </p:spPr>
+        <p:txBody>
+          <a:bodyPr wrap="none" rtlCol="0">
+            <a:spAutoFit/>
+          </a:bodyPr>
+          <a:lstStyle/>
+          <a:p>
+            <a:r>
+              <a:rPr lang="en-US" dirty="0"/>
+              <a:t>Receptor occupancy change in EC50</a:t>
+            </a:r>
+          </a:p>
+        </p:txBody>
+      </p:sp>
+      <p:sp>
+        <p:nvSpPr>
+          <p:cNvPr id="9" name="TextBox 8">
+            <a:extLst>
+              <a:ext uri="{FF2B5EF4-FFF2-40B4-BE49-F238E27FC236}">
+                <a16:creationId xmlns:a16="http://schemas.microsoft.com/office/drawing/2014/main" id="{BC30D789-59F3-CF60-A3D0-4E210559CC77}"/>
+              </a:ext>
+            </a:extLst>
+          </p:cNvPr>
+          <p:cNvSpPr txBox="1"/>
+          <p:nvPr/>
+        </p:nvSpPr>
+        <p:spPr>
+          <a:xfrm>
+            <a:off x="7080848" y="2182449"/>
+            <a:ext cx="4005905" cy="369332"/>
+          </a:xfrm>
+          <a:prstGeom prst="rect">
+            <a:avLst/>
+          </a:prstGeom>
+          <a:noFill/>
+        </p:spPr>
+        <p:txBody>
+          <a:bodyPr wrap="none" rtlCol="0">
+            <a:spAutoFit/>
+          </a:bodyPr>
+          <a:lstStyle/>
+          <a:p>
+            <a:r>
+              <a:rPr lang="en-US" dirty="0"/>
+              <a:t>Bound antibody number change in EC50 </a:t>
+            </a:r>
+          </a:p>
+        </p:txBody>
+      </p:sp>
+    </p:spTree>
+    <p:extLst>
+      <p:ext uri="{BB962C8B-B14F-4D97-AF65-F5344CB8AC3E}">
+        <p14:creationId xmlns:p14="http://schemas.microsoft.com/office/powerpoint/2010/main" val="3537078686"/>
+      </p:ext>
+    </p:extLst>
+  </p:cSld>
+  <p:clrMapOvr>
+    <a:masterClrMapping/>
+  </p:clrMapOvr>
+</p:sld>
+</file>
+
+<file path=ppt/slides/slide9.xml><?xml version="1.0" encoding="utf-8"?>
+<p:sld xmlns:a="http://schemas.openxmlformats.org/drawingml/2006/main" xmlns:r="http://schemas.openxmlformats.org/officeDocument/2006/relationships" xmlns:p="http://schemas.openxmlformats.org/presentationml/2006/main">
+  <p:cSld>
+    <p:spTree>
+      <p:nvGrpSpPr>
+        <p:cNvPr id="1" name=""/>
+        <p:cNvGrpSpPr/>
+        <p:nvPr/>
+      </p:nvGrpSpPr>
+      <p:grpSpPr>
+        <a:xfrm>
+          <a:off x="0" y="0"/>
+          <a:ext cx="0" cy="0"/>
+          <a:chOff x="0" y="0"/>
+          <a:chExt cx="0" cy="0"/>
+        </a:xfrm>
+      </p:grpSpPr>
+      <p:sp>
+        <p:nvSpPr>
+          <p:cNvPr id="2" name="Title 1">
+            <a:extLst>
+              <a:ext uri="{FF2B5EF4-FFF2-40B4-BE49-F238E27FC236}">
+                <a16:creationId xmlns:a16="http://schemas.microsoft.com/office/drawing/2014/main" id="{8B5A7FC6-44F3-1CBA-A03C-2A5B22DEC1F3}"/>
+              </a:ext>
+            </a:extLst>
+          </p:cNvPr>
+          <p:cNvSpPr>
+            <a:spLocks noGrp="1"/>
+          </p:cNvSpPr>
+          <p:nvPr>
+            <p:ph type="title"/>
+          </p:nvPr>
+        </p:nvSpPr>
+        <p:spPr>
+          <a:xfrm>
+            <a:off x="838200" y="-44848"/>
+            <a:ext cx="10515600" cy="1325563"/>
+          </a:xfrm>
+        </p:spPr>
+        <p:txBody>
+          <a:bodyPr/>
+          <a:lstStyle/>
+          <a:p>
+            <a:pPr algn="ctr"/>
+            <a:r>
+              <a:rPr lang="en-US" dirty="0"/>
+              <a:t>Change in EC50 heatmaps</a:t>
+            </a:r>
+          </a:p>
+        </p:txBody>
+      </p:sp>
+      <p:pic>
+        <p:nvPicPr>
+          <p:cNvPr id="5" name="Content Placeholder 4" descr="A close-up of a graph&#10;&#10;Description automatically generated">
+            <a:extLst>
+              <a:ext uri="{FF2B5EF4-FFF2-40B4-BE49-F238E27FC236}">
+                <a16:creationId xmlns:a16="http://schemas.microsoft.com/office/drawing/2014/main" id="{70CF48A1-A44C-A1E0-9DC5-9E043E30AF6C}"/>
+              </a:ext>
+            </a:extLst>
+          </p:cNvPr>
+          <p:cNvPicPr>
+            <a:picLocks noGrp="1" noChangeAspect="1"/>
+          </p:cNvPicPr>
+          <p:nvPr>
+            <p:ph idx="1"/>
+          </p:nvPr>
+        </p:nvPicPr>
+        <p:blipFill>
+          <a:blip r:embed="rId2"/>
+          <a:stretch>
+            <a:fillRect/>
+          </a:stretch>
+        </p:blipFill>
+        <p:spPr>
+          <a:xfrm>
+            <a:off x="300073" y="2042318"/>
+            <a:ext cx="5978359" cy="4450557"/>
+          </a:xfrm>
+        </p:spPr>
+      </p:pic>
+      <p:pic>
+        <p:nvPicPr>
+          <p:cNvPr id="7" name="Picture 6" descr="A close-up of a gradient&#10;&#10;Description automatically generated">
+            <a:extLst>
+              <a:ext uri="{FF2B5EF4-FFF2-40B4-BE49-F238E27FC236}">
+                <a16:creationId xmlns:a16="http://schemas.microsoft.com/office/drawing/2014/main" id="{E242D836-5414-9AA5-9352-2151A33CF227}"/>
+              </a:ext>
+            </a:extLst>
+          </p:cNvPr>
+          <p:cNvPicPr>
+            <a:picLocks noChangeAspect="1"/>
+          </p:cNvPicPr>
+          <p:nvPr/>
+        </p:nvPicPr>
+        <p:blipFill>
+          <a:blip r:embed="rId3"/>
+          <a:stretch>
+            <a:fillRect/>
+          </a:stretch>
+        </p:blipFill>
+        <p:spPr>
+          <a:xfrm>
+            <a:off x="6278432" y="2185550"/>
+            <a:ext cx="5593556" cy="4164092"/>
+          </a:xfrm>
+          <a:prstGeom prst="rect">
+            <a:avLst/>
+          </a:prstGeom>
+        </p:spPr>
+      </p:pic>
+      <p:sp>
+        <p:nvSpPr>
+          <p:cNvPr id="8" name="TextBox 7">
+            <a:extLst>
+              <a:ext uri="{FF2B5EF4-FFF2-40B4-BE49-F238E27FC236}">
+                <a16:creationId xmlns:a16="http://schemas.microsoft.com/office/drawing/2014/main" id="{5DEB1350-1B79-9C5B-DD4F-970B97FF87EF}"/>
+              </a:ext>
+            </a:extLst>
+          </p:cNvPr>
+          <p:cNvSpPr txBox="1"/>
+          <p:nvPr/>
+        </p:nvSpPr>
+        <p:spPr>
+          <a:xfrm>
+            <a:off x="2362200" y="1838325"/>
+            <a:ext cx="1679755" cy="369332"/>
+          </a:xfrm>
+          <a:prstGeom prst="rect">
+            <a:avLst/>
+          </a:prstGeom>
+          <a:noFill/>
+        </p:spPr>
+        <p:txBody>
+          <a:bodyPr wrap="none" rtlCol="0">
+            <a:spAutoFit/>
+          </a:bodyPr>
+          <a:lstStyle/>
+          <a:p>
+            <a:r>
+              <a:rPr lang="en-US" dirty="0"/>
+              <a:t>Bound antibody</a:t>
+            </a:r>
+          </a:p>
+        </p:txBody>
+      </p:sp>
+      <p:sp>
+        <p:nvSpPr>
+          <p:cNvPr id="9" name="TextBox 8">
+            <a:extLst>
+              <a:ext uri="{FF2B5EF4-FFF2-40B4-BE49-F238E27FC236}">
+                <a16:creationId xmlns:a16="http://schemas.microsoft.com/office/drawing/2014/main" id="{930B3ED8-3B7B-B1DF-8BE7-A1480AA6F896}"/>
+              </a:ext>
+            </a:extLst>
+          </p:cNvPr>
+          <p:cNvSpPr txBox="1"/>
+          <p:nvPr/>
+        </p:nvSpPr>
+        <p:spPr>
+          <a:xfrm>
+            <a:off x="7708238" y="1833920"/>
+            <a:ext cx="2080121" cy="369332"/>
+          </a:xfrm>
+          <a:prstGeom prst="rect">
+            <a:avLst/>
+          </a:prstGeom>
+          <a:noFill/>
+        </p:spPr>
+        <p:txBody>
+          <a:bodyPr wrap="none" rtlCol="0">
+            <a:spAutoFit/>
+          </a:bodyPr>
+          <a:lstStyle/>
+          <a:p>
+            <a:r>
+              <a:rPr lang="en-US" dirty="0"/>
+              <a:t>Receptor occupancy</a:t>
+            </a:r>
+          </a:p>
+        </p:txBody>
+      </p:sp>
+      <p:sp>
+        <p:nvSpPr>
+          <p:cNvPr id="10" name="TextBox 9">
+            <a:extLst>
+              <a:ext uri="{FF2B5EF4-FFF2-40B4-BE49-F238E27FC236}">
+                <a16:creationId xmlns:a16="http://schemas.microsoft.com/office/drawing/2014/main" id="{4F14F983-3C6E-956D-3E38-BA31B1018502}"/>
+              </a:ext>
+            </a:extLst>
+          </p:cNvPr>
+          <p:cNvSpPr txBox="1"/>
+          <p:nvPr/>
+        </p:nvSpPr>
+        <p:spPr>
+          <a:xfrm>
+            <a:off x="4041955" y="1202035"/>
+            <a:ext cx="4024756" cy="369332"/>
+          </a:xfrm>
+          <a:prstGeom prst="rect">
+            <a:avLst/>
+          </a:prstGeom>
+          <a:noFill/>
+        </p:spPr>
+        <p:txBody>
+          <a:bodyPr wrap="none" rtlCol="0">
+            <a:spAutoFit/>
+          </a:bodyPr>
+          <a:lstStyle/>
+          <a:p>
+            <a:r>
+              <a:rPr lang="en-US" dirty="0"/>
+              <a:t>log10(mono ec50) – log10(bivalent ec50)</a:t>
+            </a:r>
+          </a:p>
+        </p:txBody>
+      </p:sp>
+    </p:spTree>
+    <p:extLst>
+      <p:ext uri="{BB962C8B-B14F-4D97-AF65-F5344CB8AC3E}">
+        <p14:creationId xmlns:p14="http://schemas.microsoft.com/office/powerpoint/2010/main" val="3253992006"/>
+      </p:ext>
+    </p:extLst>
+  </p:cSld>
+  <p:clrMapOvr>
+    <a:masterClrMapping/>
+  </p:clrMapOvr>
+</p:sld>
+</file>
+
 <file path=ppt/theme/theme1.xml><?xml version="1.0" encoding="utf-8"?>
 <a:theme xmlns:a="http://schemas.openxmlformats.org/drawingml/2006/main" name="Office Theme">
   <a:themeElements>

--- a/Presentations/Avidity investigation.pptx
+++ b/Presentations/Avidity investigation.pptx
@@ -10,10 +10,12 @@
     <p:sldId id="258" r:id="rId4"/>
     <p:sldId id="259" r:id="rId5"/>
     <p:sldId id="260" r:id="rId6"/>
-    <p:sldId id="261" r:id="rId7"/>
-    <p:sldId id="262" r:id="rId8"/>
+    <p:sldId id="265" r:id="rId7"/>
+    <p:sldId id="261" r:id="rId8"/>
     <p:sldId id="263" r:id="rId9"/>
-    <p:sldId id="264" r:id="rId10"/>
+    <p:sldId id="266" r:id="rId10"/>
+    <p:sldId id="264" r:id="rId11"/>
+    <p:sldId id="267" r:id="rId12"/>
   </p:sldIdLst>
   <p:sldSz cx="12192000" cy="6858000"/>
   <p:notesSz cx="6858000" cy="9144000"/>
@@ -269,7 +271,7 @@
           <a:p>
             <a:fld id="{7D91C327-072E-F74C-89A7-C05981E84368}" type="datetimeFigureOut">
               <a:rPr lang="en-US" smtClean="0"/>
-              <a:t>9/22/23</a:t>
+              <a:t>9/29/23</a:t>
             </a:fld>
             <a:endParaRPr lang="en-US"/>
           </a:p>
@@ -469,7 +471,7 @@
           <a:p>
             <a:fld id="{7D91C327-072E-F74C-89A7-C05981E84368}" type="datetimeFigureOut">
               <a:rPr lang="en-US" smtClean="0"/>
-              <a:t>9/22/23</a:t>
+              <a:t>9/29/23</a:t>
             </a:fld>
             <a:endParaRPr lang="en-US"/>
           </a:p>
@@ -679,7 +681,7 @@
           <a:p>
             <a:fld id="{7D91C327-072E-F74C-89A7-C05981E84368}" type="datetimeFigureOut">
               <a:rPr lang="en-US" smtClean="0"/>
-              <a:t>9/22/23</a:t>
+              <a:t>9/29/23</a:t>
             </a:fld>
             <a:endParaRPr lang="en-US"/>
           </a:p>
@@ -879,7 +881,7 @@
           <a:p>
             <a:fld id="{7D91C327-072E-F74C-89A7-C05981E84368}" type="datetimeFigureOut">
               <a:rPr lang="en-US" smtClean="0"/>
-              <a:t>9/22/23</a:t>
+              <a:t>9/29/23</a:t>
             </a:fld>
             <a:endParaRPr lang="en-US"/>
           </a:p>
@@ -1155,7 +1157,7 @@
           <a:p>
             <a:fld id="{7D91C327-072E-F74C-89A7-C05981E84368}" type="datetimeFigureOut">
               <a:rPr lang="en-US" smtClean="0"/>
-              <a:t>9/22/23</a:t>
+              <a:t>9/29/23</a:t>
             </a:fld>
             <a:endParaRPr lang="en-US"/>
           </a:p>
@@ -1423,7 +1425,7 @@
           <a:p>
             <a:fld id="{7D91C327-072E-F74C-89A7-C05981E84368}" type="datetimeFigureOut">
               <a:rPr lang="en-US" smtClean="0"/>
-              <a:t>9/22/23</a:t>
+              <a:t>9/29/23</a:t>
             </a:fld>
             <a:endParaRPr lang="en-US"/>
           </a:p>
@@ -1838,7 +1840,7 @@
           <a:p>
             <a:fld id="{7D91C327-072E-F74C-89A7-C05981E84368}" type="datetimeFigureOut">
               <a:rPr lang="en-US" smtClean="0"/>
-              <a:t>9/22/23</a:t>
+              <a:t>9/29/23</a:t>
             </a:fld>
             <a:endParaRPr lang="en-US"/>
           </a:p>
@@ -1980,7 +1982,7 @@
           <a:p>
             <a:fld id="{7D91C327-072E-F74C-89A7-C05981E84368}" type="datetimeFigureOut">
               <a:rPr lang="en-US" smtClean="0"/>
-              <a:t>9/22/23</a:t>
+              <a:t>9/29/23</a:t>
             </a:fld>
             <a:endParaRPr lang="en-US"/>
           </a:p>
@@ -2093,7 +2095,7 @@
           <a:p>
             <a:fld id="{7D91C327-072E-F74C-89A7-C05981E84368}" type="datetimeFigureOut">
               <a:rPr lang="en-US" smtClean="0"/>
-              <a:t>9/22/23</a:t>
+              <a:t>9/29/23</a:t>
             </a:fld>
             <a:endParaRPr lang="en-US"/>
           </a:p>
@@ -2406,7 +2408,7 @@
           <a:p>
             <a:fld id="{7D91C327-072E-F74C-89A7-C05981E84368}" type="datetimeFigureOut">
               <a:rPr lang="en-US" smtClean="0"/>
-              <a:t>9/22/23</a:t>
+              <a:t>9/29/23</a:t>
             </a:fld>
             <a:endParaRPr lang="en-US"/>
           </a:p>
@@ -2695,7 +2697,7 @@
           <a:p>
             <a:fld id="{7D91C327-072E-F74C-89A7-C05981E84368}" type="datetimeFigureOut">
               <a:rPr lang="en-US" smtClean="0"/>
-              <a:t>9/22/23</a:t>
+              <a:t>9/29/23</a:t>
             </a:fld>
             <a:endParaRPr lang="en-US"/>
           </a:p>
@@ -2938,7 +2940,7 @@
           <a:p>
             <a:fld id="{7D91C327-072E-F74C-89A7-C05981E84368}" type="datetimeFigureOut">
               <a:rPr lang="en-US" smtClean="0"/>
-              <a:t>9/22/23</a:t>
+              <a:t>9/29/23</a:t>
             </a:fld>
             <a:endParaRPr lang="en-US"/>
           </a:p>
@@ -3421,6 +3423,547 @@
 </p:sld>
 </file>
 
+<file path=ppt/slides/slide10.xml><?xml version="1.0" encoding="utf-8"?>
+<p:sld xmlns:a="http://schemas.openxmlformats.org/drawingml/2006/main" xmlns:r="http://schemas.openxmlformats.org/officeDocument/2006/relationships" xmlns:p="http://schemas.openxmlformats.org/presentationml/2006/main">
+  <p:cSld>
+    <p:spTree>
+      <p:nvGrpSpPr>
+        <p:cNvPr id="1" name=""/>
+        <p:cNvGrpSpPr/>
+        <p:nvPr/>
+      </p:nvGrpSpPr>
+      <p:grpSpPr>
+        <a:xfrm>
+          <a:off x="0" y="0"/>
+          <a:ext cx="0" cy="0"/>
+          <a:chOff x="0" y="0"/>
+          <a:chExt cx="0" cy="0"/>
+        </a:xfrm>
+      </p:grpSpPr>
+      <p:sp>
+        <p:nvSpPr>
+          <p:cNvPr id="2" name="Title 1">
+            <a:extLst>
+              <a:ext uri="{FF2B5EF4-FFF2-40B4-BE49-F238E27FC236}">
+                <a16:creationId xmlns:a16="http://schemas.microsoft.com/office/drawing/2014/main" id="{8B5A7FC6-44F3-1CBA-A03C-2A5B22DEC1F3}"/>
+              </a:ext>
+            </a:extLst>
+          </p:cNvPr>
+          <p:cNvSpPr>
+            <a:spLocks noGrp="1"/>
+          </p:cNvSpPr>
+          <p:nvPr>
+            <p:ph type="title"/>
+          </p:nvPr>
+        </p:nvSpPr>
+        <p:spPr>
+          <a:xfrm>
+            <a:off x="838200" y="-44848"/>
+            <a:ext cx="10515600" cy="1325563"/>
+          </a:xfrm>
+        </p:spPr>
+        <p:txBody>
+          <a:bodyPr/>
+          <a:lstStyle/>
+          <a:p>
+            <a:pPr algn="ctr"/>
+            <a:r>
+              <a:rPr lang="en-US" dirty="0"/>
+              <a:t>Change in EC50 heatmaps</a:t>
+            </a:r>
+          </a:p>
+        </p:txBody>
+      </p:sp>
+      <p:pic>
+        <p:nvPicPr>
+          <p:cNvPr id="5" name="Content Placeholder 4" descr="A close-up of a graph&#10;&#10;Description automatically generated">
+            <a:extLst>
+              <a:ext uri="{FF2B5EF4-FFF2-40B4-BE49-F238E27FC236}">
+                <a16:creationId xmlns:a16="http://schemas.microsoft.com/office/drawing/2014/main" id="{70CF48A1-A44C-A1E0-9DC5-9E043E30AF6C}"/>
+              </a:ext>
+            </a:extLst>
+          </p:cNvPr>
+          <p:cNvPicPr>
+            <a:picLocks noGrp="1" noChangeAspect="1"/>
+          </p:cNvPicPr>
+          <p:nvPr>
+            <p:ph idx="1"/>
+          </p:nvPr>
+        </p:nvPicPr>
+        <p:blipFill>
+          <a:blip r:embed="rId2"/>
+          <a:stretch>
+            <a:fillRect/>
+          </a:stretch>
+        </p:blipFill>
+        <p:spPr>
+          <a:xfrm>
+            <a:off x="300073" y="2042318"/>
+            <a:ext cx="5978359" cy="4450557"/>
+          </a:xfrm>
+        </p:spPr>
+      </p:pic>
+      <p:pic>
+        <p:nvPicPr>
+          <p:cNvPr id="7" name="Picture 6" descr="A close-up of a gradient&#10;&#10;Description automatically generated">
+            <a:extLst>
+              <a:ext uri="{FF2B5EF4-FFF2-40B4-BE49-F238E27FC236}">
+                <a16:creationId xmlns:a16="http://schemas.microsoft.com/office/drawing/2014/main" id="{E242D836-5414-9AA5-9352-2151A33CF227}"/>
+              </a:ext>
+            </a:extLst>
+          </p:cNvPr>
+          <p:cNvPicPr>
+            <a:picLocks noChangeAspect="1"/>
+          </p:cNvPicPr>
+          <p:nvPr/>
+        </p:nvPicPr>
+        <p:blipFill>
+          <a:blip r:embed="rId3"/>
+          <a:stretch>
+            <a:fillRect/>
+          </a:stretch>
+        </p:blipFill>
+        <p:spPr>
+          <a:xfrm>
+            <a:off x="6278432" y="2185550"/>
+            <a:ext cx="5593556" cy="4164092"/>
+          </a:xfrm>
+          <a:prstGeom prst="rect">
+            <a:avLst/>
+          </a:prstGeom>
+        </p:spPr>
+      </p:pic>
+      <p:sp>
+        <p:nvSpPr>
+          <p:cNvPr id="8" name="TextBox 7">
+            <a:extLst>
+              <a:ext uri="{FF2B5EF4-FFF2-40B4-BE49-F238E27FC236}">
+                <a16:creationId xmlns:a16="http://schemas.microsoft.com/office/drawing/2014/main" id="{5DEB1350-1B79-9C5B-DD4F-970B97FF87EF}"/>
+              </a:ext>
+            </a:extLst>
+          </p:cNvPr>
+          <p:cNvSpPr txBox="1"/>
+          <p:nvPr/>
+        </p:nvSpPr>
+        <p:spPr>
+          <a:xfrm>
+            <a:off x="2362200" y="1838325"/>
+            <a:ext cx="1679755" cy="369332"/>
+          </a:xfrm>
+          <a:prstGeom prst="rect">
+            <a:avLst/>
+          </a:prstGeom>
+          <a:noFill/>
+        </p:spPr>
+        <p:txBody>
+          <a:bodyPr wrap="none" rtlCol="0">
+            <a:spAutoFit/>
+          </a:bodyPr>
+          <a:lstStyle/>
+          <a:p>
+            <a:r>
+              <a:rPr lang="en-US" dirty="0"/>
+              <a:t>Bound antibody</a:t>
+            </a:r>
+          </a:p>
+        </p:txBody>
+      </p:sp>
+      <p:sp>
+        <p:nvSpPr>
+          <p:cNvPr id="9" name="TextBox 8">
+            <a:extLst>
+              <a:ext uri="{FF2B5EF4-FFF2-40B4-BE49-F238E27FC236}">
+                <a16:creationId xmlns:a16="http://schemas.microsoft.com/office/drawing/2014/main" id="{930B3ED8-3B7B-B1DF-8BE7-A1480AA6F896}"/>
+              </a:ext>
+            </a:extLst>
+          </p:cNvPr>
+          <p:cNvSpPr txBox="1"/>
+          <p:nvPr/>
+        </p:nvSpPr>
+        <p:spPr>
+          <a:xfrm>
+            <a:off x="7708238" y="1833920"/>
+            <a:ext cx="2080121" cy="369332"/>
+          </a:xfrm>
+          <a:prstGeom prst="rect">
+            <a:avLst/>
+          </a:prstGeom>
+          <a:noFill/>
+        </p:spPr>
+        <p:txBody>
+          <a:bodyPr wrap="none" rtlCol="0">
+            <a:spAutoFit/>
+          </a:bodyPr>
+          <a:lstStyle/>
+          <a:p>
+            <a:r>
+              <a:rPr lang="en-US" dirty="0"/>
+              <a:t>Receptor occupancy</a:t>
+            </a:r>
+          </a:p>
+        </p:txBody>
+      </p:sp>
+      <p:sp>
+        <p:nvSpPr>
+          <p:cNvPr id="10" name="TextBox 9">
+            <a:extLst>
+              <a:ext uri="{FF2B5EF4-FFF2-40B4-BE49-F238E27FC236}">
+                <a16:creationId xmlns:a16="http://schemas.microsoft.com/office/drawing/2014/main" id="{4F14F983-3C6E-956D-3E38-BA31B1018502}"/>
+              </a:ext>
+            </a:extLst>
+          </p:cNvPr>
+          <p:cNvSpPr txBox="1"/>
+          <p:nvPr/>
+        </p:nvSpPr>
+        <p:spPr>
+          <a:xfrm>
+            <a:off x="4041955" y="1202035"/>
+            <a:ext cx="4024756" cy="369332"/>
+          </a:xfrm>
+          <a:prstGeom prst="rect">
+            <a:avLst/>
+          </a:prstGeom>
+          <a:noFill/>
+        </p:spPr>
+        <p:txBody>
+          <a:bodyPr wrap="none" rtlCol="0">
+            <a:spAutoFit/>
+          </a:bodyPr>
+          <a:lstStyle/>
+          <a:p>
+            <a:r>
+              <a:rPr lang="en-US" dirty="0"/>
+              <a:t>log10(mono ec50) – log10(bivalent ec50)</a:t>
+            </a:r>
+          </a:p>
+        </p:txBody>
+      </p:sp>
+    </p:spTree>
+    <p:extLst>
+      <p:ext uri="{BB962C8B-B14F-4D97-AF65-F5344CB8AC3E}">
+        <p14:creationId xmlns:p14="http://schemas.microsoft.com/office/powerpoint/2010/main" val="3253992006"/>
+      </p:ext>
+    </p:extLst>
+  </p:cSld>
+  <p:clrMapOvr>
+    <a:masterClrMapping/>
+  </p:clrMapOvr>
+</p:sld>
+</file>
+
+<file path=ppt/slides/slide11.xml><?xml version="1.0" encoding="utf-8"?>
+<p:sld xmlns:a="http://schemas.openxmlformats.org/drawingml/2006/main" xmlns:r="http://schemas.openxmlformats.org/officeDocument/2006/relationships" xmlns:p="http://schemas.openxmlformats.org/presentationml/2006/main">
+  <p:cSld>
+    <p:bg>
+      <p:bgPr>
+        <a:solidFill>
+          <a:schemeClr val="bg1"/>
+        </a:solidFill>
+        <a:effectLst/>
+      </p:bgPr>
+    </p:bg>
+    <p:spTree>
+      <p:nvGrpSpPr>
+        <p:cNvPr id="1" name=""/>
+        <p:cNvGrpSpPr/>
+        <p:nvPr/>
+      </p:nvGrpSpPr>
+      <p:grpSpPr>
+        <a:xfrm>
+          <a:off x="0" y="0"/>
+          <a:ext cx="0" cy="0"/>
+          <a:chOff x="0" y="0"/>
+          <a:chExt cx="0" cy="0"/>
+        </a:xfrm>
+      </p:grpSpPr>
+      <p:sp useBgFill="1">
+        <p:nvSpPr>
+          <p:cNvPr id="20" name="Rectangle 19">
+            <a:extLst>
+              <a:ext uri="{FF2B5EF4-FFF2-40B4-BE49-F238E27FC236}">
+                <a16:creationId xmlns:a16="http://schemas.microsoft.com/office/drawing/2014/main" id="{70155189-D96C-4527-B0EC-654B946BE615}"/>
+              </a:ext>
+              <a:ext uri="{C183D7F6-B498-43B3-948B-1728B52AA6E4}">
+                <adec:decorative xmlns:adec="http://schemas.microsoft.com/office/drawing/2017/decorative" val="1"/>
+              </a:ext>
+            </a:extLst>
+          </p:cNvPr>
+          <p:cNvSpPr>
+            <a:spLocks noGrp="1" noRot="1" noChangeAspect="1" noMove="1" noResize="1" noEditPoints="1" noAdjustHandles="1" noChangeArrowheads="1" noChangeShapeType="1" noTextEdit="1"/>
+          </p:cNvSpPr>
+          <p:nvPr>
+            <p:extLst>
+              <p:ext uri="{386F3935-93C4-4BCD-93E2-E3B085C9AB24}">
+                <p16:designElem xmlns:p16="http://schemas.microsoft.com/office/powerpoint/2015/main" val="1"/>
+              </p:ext>
+            </p:extLst>
+          </p:nvPr>
+        </p:nvSpPr>
+        <p:spPr>
+          <a:xfrm>
+            <a:off x="-1" y="0"/>
+            <a:ext cx="12188952" cy="6858000"/>
+          </a:xfrm>
+          <a:prstGeom prst="rect">
+            <a:avLst/>
+          </a:prstGeom>
+          <a:ln>
+            <a:noFill/>
+          </a:ln>
+        </p:spPr>
+        <p:style>
+          <a:lnRef idx="2">
+            <a:schemeClr val="accent1">
+              <a:shade val="50000"/>
+            </a:schemeClr>
+          </a:lnRef>
+          <a:fillRef idx="1">
+            <a:schemeClr val="accent1"/>
+          </a:fillRef>
+          <a:effectRef idx="0">
+            <a:schemeClr val="accent1"/>
+          </a:effectRef>
+          <a:fontRef idx="minor">
+            <a:schemeClr val="lt1"/>
+          </a:fontRef>
+        </p:style>
+        <p:txBody>
+          <a:bodyPr rtlCol="0" anchor="ctr"/>
+          <a:lstStyle/>
+          <a:p>
+            <a:pPr algn="ctr"/>
+            <a:endParaRPr lang="en-US"/>
+          </a:p>
+        </p:txBody>
+      </p:sp>
+      <p:sp>
+        <p:nvSpPr>
+          <p:cNvPr id="2" name="Title 1">
+            <a:extLst>
+              <a:ext uri="{FF2B5EF4-FFF2-40B4-BE49-F238E27FC236}">
+                <a16:creationId xmlns:a16="http://schemas.microsoft.com/office/drawing/2014/main" id="{0ED18755-728B-2936-13C7-1B38C7FDA5E1}"/>
+              </a:ext>
+            </a:extLst>
+          </p:cNvPr>
+          <p:cNvSpPr>
+            <a:spLocks noGrp="1"/>
+          </p:cNvSpPr>
+          <p:nvPr>
+            <p:ph type="title"/>
+          </p:nvPr>
+        </p:nvSpPr>
+        <p:spPr>
+          <a:xfrm>
+            <a:off x="1198181" y="557189"/>
+            <a:ext cx="9795637" cy="1104857"/>
+          </a:xfrm>
+        </p:spPr>
+        <p:txBody>
+          <a:bodyPr vert="horz" lIns="91440" tIns="45720" rIns="91440" bIns="45720" rtlCol="0" anchor="b">
+            <a:normAutofit/>
+          </a:bodyPr>
+          <a:lstStyle/>
+          <a:p>
+            <a:pPr algn="ctr"/>
+            <a:endParaRPr lang="en-US" sz="5200"/>
+          </a:p>
+        </p:txBody>
+      </p:sp>
+      <p:pic>
+        <p:nvPicPr>
+          <p:cNvPr id="15" name="Picture 14" descr="A blurry image of a red and purple light&#10;&#10;Description automatically generated with medium confidence">
+            <a:extLst>
+              <a:ext uri="{FF2B5EF4-FFF2-40B4-BE49-F238E27FC236}">
+                <a16:creationId xmlns:a16="http://schemas.microsoft.com/office/drawing/2014/main" id="{1D6FD685-9F12-7FED-80AE-2578DEE7DE73}"/>
+              </a:ext>
+            </a:extLst>
+          </p:cNvPr>
+          <p:cNvPicPr>
+            <a:picLocks noChangeAspect="1"/>
+          </p:cNvPicPr>
+          <p:nvPr/>
+        </p:nvPicPr>
+        <p:blipFill>
+          <a:blip r:embed="rId2"/>
+          <a:stretch>
+            <a:fillRect/>
+          </a:stretch>
+        </p:blipFill>
+        <p:spPr>
+          <a:xfrm>
+            <a:off x="201792" y="557189"/>
+            <a:ext cx="3797536" cy="3038029"/>
+          </a:xfrm>
+          <a:prstGeom prst="rect">
+            <a:avLst/>
+          </a:prstGeom>
+        </p:spPr>
+      </p:pic>
+      <p:pic>
+        <p:nvPicPr>
+          <p:cNvPr id="11" name="Content Placeholder 10" descr="A blurry image of a red and purple gradient&#10;&#10;Description automatically generated">
+            <a:extLst>
+              <a:ext uri="{FF2B5EF4-FFF2-40B4-BE49-F238E27FC236}">
+                <a16:creationId xmlns:a16="http://schemas.microsoft.com/office/drawing/2014/main" id="{F7B232A1-D1E1-190D-B6D1-4382B9C95A45}"/>
+              </a:ext>
+            </a:extLst>
+          </p:cNvPr>
+          <p:cNvPicPr>
+            <a:picLocks noGrp="1" noChangeAspect="1"/>
+          </p:cNvPicPr>
+          <p:nvPr>
+            <p:ph idx="1"/>
+          </p:nvPr>
+        </p:nvPicPr>
+        <p:blipFill>
+          <a:blip r:embed="rId3"/>
+          <a:stretch>
+            <a:fillRect/>
+          </a:stretch>
+        </p:blipFill>
+        <p:spPr>
+          <a:xfrm>
+            <a:off x="4197232" y="557189"/>
+            <a:ext cx="3797536" cy="3038029"/>
+          </a:xfrm>
+          <a:prstGeom prst="rect">
+            <a:avLst/>
+          </a:prstGeom>
+        </p:spPr>
+      </p:pic>
+      <p:pic>
+        <p:nvPicPr>
+          <p:cNvPr id="13" name="Picture 12" descr="A screen shot of a chart&#10;&#10;Description automatically generated">
+            <a:extLst>
+              <a:ext uri="{FF2B5EF4-FFF2-40B4-BE49-F238E27FC236}">
+                <a16:creationId xmlns:a16="http://schemas.microsoft.com/office/drawing/2014/main" id="{6F62D312-56DB-EC28-2BCF-D461B747AEC5}"/>
+              </a:ext>
+            </a:extLst>
+          </p:cNvPr>
+          <p:cNvPicPr>
+            <a:picLocks noChangeAspect="1"/>
+          </p:cNvPicPr>
+          <p:nvPr/>
+        </p:nvPicPr>
+        <p:blipFill>
+          <a:blip r:embed="rId4"/>
+          <a:stretch>
+            <a:fillRect/>
+          </a:stretch>
+        </p:blipFill>
+        <p:spPr>
+          <a:xfrm>
+            <a:off x="8112774" y="700220"/>
+            <a:ext cx="3797536" cy="3038029"/>
+          </a:xfrm>
+          <a:prstGeom prst="rect">
+            <a:avLst/>
+          </a:prstGeom>
+        </p:spPr>
+      </p:pic>
+      <p:pic>
+        <p:nvPicPr>
+          <p:cNvPr id="17" name="Picture 16" descr="A chart with a gradient&#10;&#10;Description automatically generated with medium confidence">
+            <a:extLst>
+              <a:ext uri="{FF2B5EF4-FFF2-40B4-BE49-F238E27FC236}">
+                <a16:creationId xmlns:a16="http://schemas.microsoft.com/office/drawing/2014/main" id="{3DAB7FD0-C086-D129-A67A-7067D4309EB5}"/>
+              </a:ext>
+            </a:extLst>
+          </p:cNvPr>
+          <p:cNvPicPr>
+            <a:picLocks noChangeAspect="1"/>
+          </p:cNvPicPr>
+          <p:nvPr/>
+        </p:nvPicPr>
+        <p:blipFill>
+          <a:blip r:embed="rId5"/>
+          <a:stretch>
+            <a:fillRect/>
+          </a:stretch>
+        </p:blipFill>
+        <p:spPr>
+          <a:xfrm>
+            <a:off x="8177650" y="3595217"/>
+            <a:ext cx="3797536" cy="3038029"/>
+          </a:xfrm>
+          <a:prstGeom prst="rect">
+            <a:avLst/>
+          </a:prstGeom>
+        </p:spPr>
+      </p:pic>
+      <p:pic>
+        <p:nvPicPr>
+          <p:cNvPr id="19" name="Picture 18" descr="A screen shot of a chart&#10;&#10;Description automatically generated">
+            <a:extLst>
+              <a:ext uri="{FF2B5EF4-FFF2-40B4-BE49-F238E27FC236}">
+                <a16:creationId xmlns:a16="http://schemas.microsoft.com/office/drawing/2014/main" id="{BE36D3BC-DF02-8EE8-A6E2-D95351AB4C99}"/>
+              </a:ext>
+            </a:extLst>
+          </p:cNvPr>
+          <p:cNvPicPr>
+            <a:picLocks noChangeAspect="1"/>
+          </p:cNvPicPr>
+          <p:nvPr/>
+        </p:nvPicPr>
+        <p:blipFill>
+          <a:blip r:embed="rId6"/>
+          <a:stretch>
+            <a:fillRect/>
+          </a:stretch>
+        </p:blipFill>
+        <p:spPr>
+          <a:xfrm>
+            <a:off x="4262108" y="3595217"/>
+            <a:ext cx="3797536" cy="3038029"/>
+          </a:xfrm>
+          <a:prstGeom prst="rect">
+            <a:avLst/>
+          </a:prstGeom>
+        </p:spPr>
+      </p:pic>
+      <p:pic>
+        <p:nvPicPr>
+          <p:cNvPr id="22" name="Picture 21" descr="A blurry image of a red and blue gradient&#10;&#10;Description automatically generated">
+            <a:extLst>
+              <a:ext uri="{FF2B5EF4-FFF2-40B4-BE49-F238E27FC236}">
+                <a16:creationId xmlns:a16="http://schemas.microsoft.com/office/drawing/2014/main" id="{B62C8DBC-AFD8-C70C-12B5-9535C7C92F80}"/>
+              </a:ext>
+            </a:extLst>
+          </p:cNvPr>
+          <p:cNvPicPr>
+            <a:picLocks noChangeAspect="1"/>
+          </p:cNvPicPr>
+          <p:nvPr/>
+        </p:nvPicPr>
+        <p:blipFill>
+          <a:blip r:embed="rId7"/>
+          <a:stretch>
+            <a:fillRect/>
+          </a:stretch>
+        </p:blipFill>
+        <p:spPr>
+          <a:xfrm>
+            <a:off x="281690" y="3595218"/>
+            <a:ext cx="3797536" cy="3038029"/>
+          </a:xfrm>
+          <a:prstGeom prst="rect">
+            <a:avLst/>
+          </a:prstGeom>
+        </p:spPr>
+      </p:pic>
+    </p:spTree>
+    <p:extLst>
+      <p:ext uri="{BB962C8B-B14F-4D97-AF65-F5344CB8AC3E}">
+        <p14:creationId xmlns:p14="http://schemas.microsoft.com/office/powerpoint/2010/main" val="1915767874"/>
+      </p:ext>
+    </p:extLst>
+  </p:cSld>
+  <p:clrMapOvr>
+    <a:masterClrMapping/>
+  </p:clrMapOvr>
+</p:sld>
+</file>
+
 <file path=ppt/slides/slide2.xml><?xml version="1.0" encoding="utf-8"?>
 <p:sld xmlns:a="http://schemas.openxmlformats.org/drawingml/2006/main" xmlns:r="http://schemas.openxmlformats.org/officeDocument/2006/relationships" xmlns:p="http://schemas.openxmlformats.org/presentationml/2006/main">
   <p:cSld>
@@ -4313,7 +4856,7 @@
           <p:cNvPr id="2" name="Title 1">
             <a:extLst>
               <a:ext uri="{FF2B5EF4-FFF2-40B4-BE49-F238E27FC236}">
-                <a16:creationId xmlns:a16="http://schemas.microsoft.com/office/drawing/2014/main" id="{66E2ABA3-1FDD-0122-C593-F43E8CE824A8}"/>
+                <a16:creationId xmlns:a16="http://schemas.microsoft.com/office/drawing/2014/main" id="{967A73E3-DC73-9112-8992-AA4F2E548A26}"/>
               </a:ext>
             </a:extLst>
           </p:cNvPr>
@@ -4332,17 +4875,17 @@
             <a:pPr algn="ctr"/>
             <a:r>
               <a:rPr lang="en-US" dirty="0"/>
-              <a:t>Bound Antibody Number EC50 Sensitivity analysis</a:t>
+              <a:t>Monovalent EC50 sensitivity analysis</a:t>
             </a:r>
           </a:p>
         </p:txBody>
       </p:sp>
       <p:pic>
         <p:nvPicPr>
-          <p:cNvPr id="5" name="Content Placeholder 4" descr="A graph with different colored squares&#10;&#10;Description automatically generated">
-            <a:extLst>
-              <a:ext uri="{FF2B5EF4-FFF2-40B4-BE49-F238E27FC236}">
-                <a16:creationId xmlns:a16="http://schemas.microsoft.com/office/drawing/2014/main" id="{CC9C3DBC-6081-C1BB-4B65-A47B4A85C7D7}"/>
+          <p:cNvPr id="5" name="Content Placeholder 4" descr="A graph of a diagram&#10;&#10;Description automatically generated with medium confidence">
+            <a:extLst>
+              <a:ext uri="{FF2B5EF4-FFF2-40B4-BE49-F238E27FC236}">
+                <a16:creationId xmlns:a16="http://schemas.microsoft.com/office/drawing/2014/main" id="{15530670-A51C-DFB8-FE7F-84ABC77F3554}"/>
               </a:ext>
             </a:extLst>
           </p:cNvPr>
@@ -4361,17 +4904,17 @@
         </p:blipFill>
         <p:spPr>
           <a:xfrm>
-            <a:off x="358510" y="2120104"/>
-            <a:ext cx="5975615" cy="3585369"/>
+            <a:off x="387998" y="2061597"/>
+            <a:ext cx="5708002" cy="3424801"/>
           </a:xfrm>
         </p:spPr>
       </p:pic>
       <p:pic>
         <p:nvPicPr>
-          <p:cNvPr id="7" name="Picture 6" descr="A graph with blue and orange squares&#10;&#10;Description automatically generated">
-            <a:extLst>
-              <a:ext uri="{FF2B5EF4-FFF2-40B4-BE49-F238E27FC236}">
-                <a16:creationId xmlns:a16="http://schemas.microsoft.com/office/drawing/2014/main" id="{969A5306-67CC-835E-F644-D4CC0985DC3E}"/>
+          <p:cNvPr id="7" name="Picture 6" descr="A graph of different colored bars&#10;&#10;Description automatically generated with medium confidence">
+            <a:extLst>
+              <a:ext uri="{FF2B5EF4-FFF2-40B4-BE49-F238E27FC236}">
+                <a16:creationId xmlns:a16="http://schemas.microsoft.com/office/drawing/2014/main" id="{629545A3-3A69-FECF-84A0-8F947100508E}"/>
               </a:ext>
             </a:extLst>
           </p:cNvPr>
@@ -4388,8 +4931,8 @@
         </p:blipFill>
         <p:spPr>
           <a:xfrm>
-            <a:off x="6096000" y="2120105"/>
-            <a:ext cx="5975615" cy="3585369"/>
+            <a:off x="5788400" y="2061597"/>
+            <a:ext cx="5847822" cy="3508693"/>
           </a:xfrm>
           <a:prstGeom prst="rect">
             <a:avLst/>
@@ -4398,10 +4941,10 @@
       </p:pic>
       <p:sp>
         <p:nvSpPr>
-          <p:cNvPr id="10" name="TextBox 9">
-            <a:extLst>
-              <a:ext uri="{FF2B5EF4-FFF2-40B4-BE49-F238E27FC236}">
-                <a16:creationId xmlns:a16="http://schemas.microsoft.com/office/drawing/2014/main" id="{6D41910A-AAC2-5D12-FB91-32E608F036D5}"/>
+          <p:cNvPr id="8" name="TextBox 7">
+            <a:extLst>
+              <a:ext uri="{FF2B5EF4-FFF2-40B4-BE49-F238E27FC236}">
+                <a16:creationId xmlns:a16="http://schemas.microsoft.com/office/drawing/2014/main" id="{C46ED08F-43B9-F821-F432-6EDF68E567E9}"/>
               </a:ext>
             </a:extLst>
           </p:cNvPr>
@@ -4410,8 +4953,8 @@
         </p:nvSpPr>
         <p:spPr>
           <a:xfrm>
-            <a:off x="2516698" y="1935437"/>
-            <a:ext cx="1853966" cy="369332"/>
+            <a:off x="7868873" y="5941199"/>
+            <a:ext cx="1565813" cy="369332"/>
           </a:xfrm>
           <a:prstGeom prst="rect">
             <a:avLst/>
@@ -4419,24 +4962,32 @@
           <a:noFill/>
         </p:spPr>
         <p:txBody>
-          <a:bodyPr wrap="square" rtlCol="0">
+          <a:bodyPr wrap="none" rtlCol="0">
             <a:spAutoFit/>
           </a:bodyPr>
           <a:lstStyle/>
           <a:p>
             <a:r>
               <a:rPr lang="en-US" dirty="0"/>
-              <a:t>Bivalent antibody</a:t>
-            </a:r>
-          </a:p>
-        </p:txBody>
-      </p:sp>
-      <p:sp>
-        <p:nvSpPr>
-          <p:cNvPr id="11" name="TextBox 10">
-            <a:extLst>
-              <a:ext uri="{FF2B5EF4-FFF2-40B4-BE49-F238E27FC236}">
-                <a16:creationId xmlns:a16="http://schemas.microsoft.com/office/drawing/2014/main" id="{2CE5D898-695B-AA89-E11F-7C132F1B07C7}"/>
+              <a:t>1e3&lt;</a:t>
+            </a:r>
+            <a:r>
+              <a:rPr lang="en-US" dirty="0" err="1"/>
+              <a:t>Rtot</a:t>
+            </a:r>
+            <a:r>
+              <a:rPr lang="en-US" dirty="0"/>
+              <a:t> &lt;1e5</a:t>
+            </a:r>
+          </a:p>
+        </p:txBody>
+      </p:sp>
+      <p:sp>
+        <p:nvSpPr>
+          <p:cNvPr id="9" name="TextBox 8">
+            <a:extLst>
+              <a:ext uri="{FF2B5EF4-FFF2-40B4-BE49-F238E27FC236}">
+                <a16:creationId xmlns:a16="http://schemas.microsoft.com/office/drawing/2014/main" id="{53D35075-267B-B418-0127-72A0278E3697}"/>
               </a:ext>
             </a:extLst>
           </p:cNvPr>
@@ -4445,8 +4996,8 @@
         </p:nvSpPr>
         <p:spPr>
           <a:xfrm>
-            <a:off x="8246378" y="1935438"/>
-            <a:ext cx="2205412" cy="369332"/>
+            <a:off x="2526484" y="5857307"/>
+            <a:ext cx="1565813" cy="369332"/>
           </a:xfrm>
           <a:prstGeom prst="rect">
             <a:avLst/>
@@ -4461,7 +5012,15 @@
           <a:p>
             <a:r>
               <a:rPr lang="en-US" dirty="0"/>
-              <a:t>Monovalent antibody</a:t>
+              <a:t>1e4&lt;</a:t>
+            </a:r>
+            <a:r>
+              <a:rPr lang="en-US" dirty="0" err="1"/>
+              <a:t>Rtot</a:t>
+            </a:r>
+            <a:r>
+              <a:rPr lang="en-US" dirty="0"/>
+              <a:t> &lt;1e6</a:t>
             </a:r>
           </a:p>
         </p:txBody>
@@ -4469,7 +5028,7 @@
     </p:spTree>
     <p:extLst>
       <p:ext uri="{BB962C8B-B14F-4D97-AF65-F5344CB8AC3E}">
-        <p14:creationId xmlns:p14="http://schemas.microsoft.com/office/powerpoint/2010/main" val="303693137"/>
+        <p14:creationId xmlns:p14="http://schemas.microsoft.com/office/powerpoint/2010/main" val="245517644"/>
       </p:ext>
     </p:extLst>
   </p:cSld>
@@ -4501,7 +5060,7 @@
           <p:cNvPr id="2" name="Title 1">
             <a:extLst>
               <a:ext uri="{FF2B5EF4-FFF2-40B4-BE49-F238E27FC236}">
-                <a16:creationId xmlns:a16="http://schemas.microsoft.com/office/drawing/2014/main" id="{BF1535C1-0AAD-E300-D0AD-AC1118118310}"/>
+                <a16:creationId xmlns:a16="http://schemas.microsoft.com/office/drawing/2014/main" id="{66E2ABA3-1FDD-0122-C593-F43E8CE824A8}"/>
               </a:ext>
             </a:extLst>
           </p:cNvPr>
@@ -4517,19 +5076,90 @@
           <a:bodyPr/>
           <a:lstStyle/>
           <a:p>
+            <a:pPr algn="ctr"/>
             <a:r>
               <a:rPr lang="en-US" dirty="0"/>
-              <a:t>Receptor Occupancy EC50 Sensitivity Analysis</a:t>
+              <a:t>Bivalent EC50 sensitivity analysis</a:t>
+            </a:r>
+          </a:p>
+        </p:txBody>
+      </p:sp>
+      <p:sp>
+        <p:nvSpPr>
+          <p:cNvPr id="10" name="TextBox 9">
+            <a:extLst>
+              <a:ext uri="{FF2B5EF4-FFF2-40B4-BE49-F238E27FC236}">
+                <a16:creationId xmlns:a16="http://schemas.microsoft.com/office/drawing/2014/main" id="{6D41910A-AAC2-5D12-FB91-32E608F036D5}"/>
+              </a:ext>
+            </a:extLst>
+          </p:cNvPr>
+          <p:cNvSpPr txBox="1"/>
+          <p:nvPr/>
+        </p:nvSpPr>
+        <p:spPr>
+          <a:xfrm>
+            <a:off x="2516698" y="1935437"/>
+            <a:ext cx="1853966" cy="369332"/>
+          </a:xfrm>
+          <a:prstGeom prst="rect">
+            <a:avLst/>
+          </a:prstGeom>
+          <a:noFill/>
+        </p:spPr>
+        <p:txBody>
+          <a:bodyPr wrap="square" rtlCol="0">
+            <a:spAutoFit/>
+          </a:bodyPr>
+          <a:lstStyle/>
+          <a:p>
+            <a:r>
+              <a:rPr lang="en-US" dirty="0"/>
+              <a:t>Bound antibody</a:t>
+            </a:r>
+          </a:p>
+        </p:txBody>
+      </p:sp>
+      <p:sp>
+        <p:nvSpPr>
+          <p:cNvPr id="11" name="TextBox 10">
+            <a:extLst>
+              <a:ext uri="{FF2B5EF4-FFF2-40B4-BE49-F238E27FC236}">
+                <a16:creationId xmlns:a16="http://schemas.microsoft.com/office/drawing/2014/main" id="{2CE5D898-695B-AA89-E11F-7C132F1B07C7}"/>
+              </a:ext>
+            </a:extLst>
+          </p:cNvPr>
+          <p:cNvSpPr txBox="1"/>
+          <p:nvPr/>
+        </p:nvSpPr>
+        <p:spPr>
+          <a:xfrm>
+            <a:off x="8070210" y="2029396"/>
+            <a:ext cx="2080121" cy="369332"/>
+          </a:xfrm>
+          <a:prstGeom prst="rect">
+            <a:avLst/>
+          </a:prstGeom>
+          <a:noFill/>
+        </p:spPr>
+        <p:txBody>
+          <a:bodyPr wrap="none" rtlCol="0">
+            <a:spAutoFit/>
+          </a:bodyPr>
+          <a:lstStyle/>
+          <a:p>
+            <a:r>
+              <a:rPr lang="en-US" dirty="0"/>
+              <a:t>Receptor occupancy</a:t>
             </a:r>
           </a:p>
         </p:txBody>
       </p:sp>
       <p:pic>
         <p:nvPicPr>
-          <p:cNvPr id="4" name="Picture 3" descr="A graph with blue and orange squares&#10;&#10;Description automatically generated">
-            <a:extLst>
-              <a:ext uri="{FF2B5EF4-FFF2-40B4-BE49-F238E27FC236}">
-                <a16:creationId xmlns:a16="http://schemas.microsoft.com/office/drawing/2014/main" id="{FFCA1744-3A68-7BC7-8EE9-A936637D03E7}"/>
+          <p:cNvPr id="8" name="Picture 7" descr="A graph with different colored bars&#10;&#10;Description automatically generated with medium confidence">
+            <a:extLst>
+              <a:ext uri="{FF2B5EF4-FFF2-40B4-BE49-F238E27FC236}">
+                <a16:creationId xmlns:a16="http://schemas.microsoft.com/office/drawing/2014/main" id="{71FEDA22-3A7F-9E8E-CB1F-5B59411DFBAB}"/>
               </a:ext>
             </a:extLst>
           </p:cNvPr>
@@ -4546,55 +5176,20 @@
         </p:blipFill>
         <p:spPr>
           <a:xfrm>
-            <a:off x="6096000" y="2120105"/>
-            <a:ext cx="5975615" cy="3585369"/>
+            <a:off x="0" y="2498542"/>
+            <a:ext cx="6176728" cy="3706037"/>
           </a:xfrm>
           <a:prstGeom prst="rect">
             <a:avLst/>
           </a:prstGeom>
         </p:spPr>
       </p:pic>
-      <p:sp>
-        <p:nvSpPr>
-          <p:cNvPr id="5" name="TextBox 4">
-            <a:extLst>
-              <a:ext uri="{FF2B5EF4-FFF2-40B4-BE49-F238E27FC236}">
-                <a16:creationId xmlns:a16="http://schemas.microsoft.com/office/drawing/2014/main" id="{41391855-AB54-97B3-DFE9-AADF63DA4939}"/>
-              </a:ext>
-            </a:extLst>
-          </p:cNvPr>
-          <p:cNvSpPr txBox="1"/>
-          <p:nvPr/>
-        </p:nvSpPr>
-        <p:spPr>
-          <a:xfrm>
-            <a:off x="8246378" y="1935438"/>
-            <a:ext cx="2205412" cy="369332"/>
-          </a:xfrm>
-          <a:prstGeom prst="rect">
-            <a:avLst/>
-          </a:prstGeom>
-          <a:noFill/>
-        </p:spPr>
-        <p:txBody>
-          <a:bodyPr wrap="none" rtlCol="0">
-            <a:spAutoFit/>
-          </a:bodyPr>
-          <a:lstStyle/>
-          <a:p>
-            <a:r>
-              <a:rPr lang="en-US" dirty="0"/>
-              <a:t>Monovalent antibody</a:t>
-            </a:r>
-          </a:p>
-        </p:txBody>
-      </p:sp>
       <p:pic>
         <p:nvPicPr>
-          <p:cNvPr id="7" name="Picture 6" descr="A purple bar graph with white text&#10;&#10;Description automatically generated">
-            <a:extLst>
-              <a:ext uri="{FF2B5EF4-FFF2-40B4-BE49-F238E27FC236}">
-                <a16:creationId xmlns:a16="http://schemas.microsoft.com/office/drawing/2014/main" id="{E21B4CE9-F3DB-422B-6616-593DCEA503F1}"/>
+          <p:cNvPr id="12" name="Picture 11" descr="A purple rectangular bar graph&#10;&#10;Description automatically generated">
+            <a:extLst>
+              <a:ext uri="{FF2B5EF4-FFF2-40B4-BE49-F238E27FC236}">
+                <a16:creationId xmlns:a16="http://schemas.microsoft.com/office/drawing/2014/main" id="{752F0424-C1A9-9416-E967-77F760B7785A}"/>
               </a:ext>
             </a:extLst>
           </p:cNvPr>
@@ -4611,53 +5206,18 @@
         </p:blipFill>
         <p:spPr>
           <a:xfrm>
-            <a:off x="428160" y="2120103"/>
-            <a:ext cx="5848618" cy="3509171"/>
+            <a:off x="5821960" y="2498542"/>
+            <a:ext cx="6370040" cy="3822024"/>
           </a:xfrm>
           <a:prstGeom prst="rect">
             <a:avLst/>
           </a:prstGeom>
         </p:spPr>
       </p:pic>
-      <p:sp>
-        <p:nvSpPr>
-          <p:cNvPr id="8" name="TextBox 7">
-            <a:extLst>
-              <a:ext uri="{FF2B5EF4-FFF2-40B4-BE49-F238E27FC236}">
-                <a16:creationId xmlns:a16="http://schemas.microsoft.com/office/drawing/2014/main" id="{1094984F-3CB4-BA8E-0D37-873C12A56513}"/>
-              </a:ext>
-            </a:extLst>
-          </p:cNvPr>
-          <p:cNvSpPr txBox="1"/>
-          <p:nvPr/>
-        </p:nvSpPr>
-        <p:spPr>
-          <a:xfrm>
-            <a:off x="2619375" y="1895475"/>
-            <a:ext cx="1821717" cy="369332"/>
-          </a:xfrm>
-          <a:prstGeom prst="rect">
-            <a:avLst/>
-          </a:prstGeom>
-          <a:noFill/>
-        </p:spPr>
-        <p:txBody>
-          <a:bodyPr wrap="none" rtlCol="0">
-            <a:spAutoFit/>
-          </a:bodyPr>
-          <a:lstStyle/>
-          <a:p>
-            <a:r>
-              <a:rPr lang="en-US" dirty="0"/>
-              <a:t>Bivalent antibody</a:t>
-            </a:r>
-          </a:p>
-        </p:txBody>
-      </p:sp>
     </p:spTree>
     <p:extLst>
       <p:ext uri="{BB962C8B-B14F-4D97-AF65-F5344CB8AC3E}">
-        <p14:creationId xmlns:p14="http://schemas.microsoft.com/office/powerpoint/2010/main" val="1095414369"/>
+        <p14:creationId xmlns:p14="http://schemas.microsoft.com/office/powerpoint/2010/main" val="303693137"/>
       </p:ext>
     </p:extLst>
   </p:cSld>
@@ -4783,17 +5343,87 @@
             <a:pPr algn="ctr"/>
             <a:r>
               <a:rPr lang="en-US" sz="5200"/>
-              <a:t>Change in Ec50 Sensitivity Analysis</a:t>
+              <a:t>Change in EC50 Sensitivity Analysis</a:t>
+            </a:r>
+          </a:p>
+        </p:txBody>
+      </p:sp>
+      <p:sp>
+        <p:nvSpPr>
+          <p:cNvPr id="8" name="TextBox 7">
+            <a:extLst>
+              <a:ext uri="{FF2B5EF4-FFF2-40B4-BE49-F238E27FC236}">
+                <a16:creationId xmlns:a16="http://schemas.microsoft.com/office/drawing/2014/main" id="{F7E24CF9-2AD7-95EB-2B72-D1C0E0B6C617}"/>
+              </a:ext>
+            </a:extLst>
+          </p:cNvPr>
+          <p:cNvSpPr txBox="1"/>
+          <p:nvPr/>
+        </p:nvSpPr>
+        <p:spPr>
+          <a:xfrm>
+            <a:off x="7159953" y="2426812"/>
+            <a:ext cx="3555076" cy="369332"/>
+          </a:xfrm>
+          <a:prstGeom prst="rect">
+            <a:avLst/>
+          </a:prstGeom>
+          <a:noFill/>
+        </p:spPr>
+        <p:txBody>
+          <a:bodyPr wrap="none" rtlCol="0">
+            <a:spAutoFit/>
+          </a:bodyPr>
+          <a:lstStyle/>
+          <a:p>
+            <a:r>
+              <a:rPr lang="en-US" dirty="0"/>
+              <a:t>Receptor occupancy change in EC50</a:t>
+            </a:r>
+          </a:p>
+        </p:txBody>
+      </p:sp>
+      <p:sp>
+        <p:nvSpPr>
+          <p:cNvPr id="9" name="TextBox 8">
+            <a:extLst>
+              <a:ext uri="{FF2B5EF4-FFF2-40B4-BE49-F238E27FC236}">
+                <a16:creationId xmlns:a16="http://schemas.microsoft.com/office/drawing/2014/main" id="{BC30D789-59F3-CF60-A3D0-4E210559CC77}"/>
+              </a:ext>
+            </a:extLst>
+          </p:cNvPr>
+          <p:cNvSpPr txBox="1"/>
+          <p:nvPr/>
+        </p:nvSpPr>
+        <p:spPr>
+          <a:xfrm>
+            <a:off x="1384724" y="2361341"/>
+            <a:ext cx="4005905" cy="369332"/>
+          </a:xfrm>
+          <a:prstGeom prst="rect">
+            <a:avLst/>
+          </a:prstGeom>
+          <a:noFill/>
+        </p:spPr>
+        <p:txBody>
+          <a:bodyPr wrap="none" rtlCol="0">
+            <a:spAutoFit/>
+          </a:bodyPr>
+          <a:lstStyle/>
+          <a:p>
+            <a:r>
+              <a:rPr lang="en-US" dirty="0"/>
+              <a:t>Bound antibody number change in EC50 </a:t>
             </a:r>
           </a:p>
         </p:txBody>
       </p:sp>
       <p:pic>
         <p:nvPicPr>
-          <p:cNvPr id="5" name="Picture 4" descr="A graph of different colored bars&#10;&#10;Description automatically generated with medium confidence">
-            <a:extLst>
-              <a:ext uri="{FF2B5EF4-FFF2-40B4-BE49-F238E27FC236}">
-                <a16:creationId xmlns:a16="http://schemas.microsoft.com/office/drawing/2014/main" id="{84227C0D-9F21-89CD-1EF7-64B6F89BF5EB}"/>
+          <p:cNvPr id="4" name="Picture 3" descr="A graph of different colored squares&#10;&#10;Description automatically generated with medium confidence">
+            <a:extLst>
+              <a:ext uri="{FF2B5EF4-FFF2-40B4-BE49-F238E27FC236}">
+                <a16:creationId xmlns:a16="http://schemas.microsoft.com/office/drawing/2014/main" id="{C77BF0B5-8765-EBCD-E37E-506691F4E802}"/>
               </a:ext>
             </a:extLst>
           </p:cNvPr>
@@ -4810,8 +5440,8 @@
         </p:blipFill>
         <p:spPr>
           <a:xfrm>
-            <a:off x="306719" y="2367115"/>
-            <a:ext cx="5577293" cy="3346376"/>
+            <a:off x="335043" y="2776545"/>
+            <a:ext cx="5967798" cy="3580679"/>
           </a:xfrm>
           <a:prstGeom prst="rect">
             <a:avLst/>
@@ -4820,10 +5450,10 @@
       </p:pic>
       <p:pic>
         <p:nvPicPr>
-          <p:cNvPr id="7" name="Picture 6" descr="A graph of different colored bars&#10;&#10;Description automatically generated with medium confidence">
-            <a:extLst>
-              <a:ext uri="{FF2B5EF4-FFF2-40B4-BE49-F238E27FC236}">
-                <a16:creationId xmlns:a16="http://schemas.microsoft.com/office/drawing/2014/main" id="{8217BC46-F85E-FFD5-D71B-93CE6ABEB194}"/>
+          <p:cNvPr id="10" name="Picture 9" descr="A graph of different colored bars&#10;&#10;Description automatically generated with medium confidence">
+            <a:extLst>
+              <a:ext uri="{FF2B5EF4-FFF2-40B4-BE49-F238E27FC236}">
+                <a16:creationId xmlns:a16="http://schemas.microsoft.com/office/drawing/2014/main" id="{BF26C483-4867-7C05-5C09-33F6C2A79D33}"/>
               </a:ext>
             </a:extLst>
           </p:cNvPr>
@@ -4840,84 +5470,14 @@
         </p:blipFill>
         <p:spPr>
           <a:xfrm>
-            <a:off x="6295155" y="2367115"/>
-            <a:ext cx="5577293" cy="3346376"/>
+            <a:off x="5968946" y="2815741"/>
+            <a:ext cx="5802295" cy="3481377"/>
           </a:xfrm>
           <a:prstGeom prst="rect">
             <a:avLst/>
           </a:prstGeom>
         </p:spPr>
       </p:pic>
-      <p:sp>
-        <p:nvSpPr>
-          <p:cNvPr id="8" name="TextBox 7">
-            <a:extLst>
-              <a:ext uri="{FF2B5EF4-FFF2-40B4-BE49-F238E27FC236}">
-                <a16:creationId xmlns:a16="http://schemas.microsoft.com/office/drawing/2014/main" id="{F7E24CF9-2AD7-95EB-2B72-D1C0E0B6C617}"/>
-              </a:ext>
-            </a:extLst>
-          </p:cNvPr>
-          <p:cNvSpPr txBox="1"/>
-          <p:nvPr/>
-        </p:nvSpPr>
-        <p:spPr>
-          <a:xfrm>
-            <a:off x="1428750" y="2236142"/>
-            <a:ext cx="3555076" cy="369332"/>
-          </a:xfrm>
-          <a:prstGeom prst="rect">
-            <a:avLst/>
-          </a:prstGeom>
-          <a:noFill/>
-        </p:spPr>
-        <p:txBody>
-          <a:bodyPr wrap="none" rtlCol="0">
-            <a:spAutoFit/>
-          </a:bodyPr>
-          <a:lstStyle/>
-          <a:p>
-            <a:r>
-              <a:rPr lang="en-US" dirty="0"/>
-              <a:t>Receptor occupancy change in EC50</a:t>
-            </a:r>
-          </a:p>
-        </p:txBody>
-      </p:sp>
-      <p:sp>
-        <p:nvSpPr>
-          <p:cNvPr id="9" name="TextBox 8">
-            <a:extLst>
-              <a:ext uri="{FF2B5EF4-FFF2-40B4-BE49-F238E27FC236}">
-                <a16:creationId xmlns:a16="http://schemas.microsoft.com/office/drawing/2014/main" id="{BC30D789-59F3-CF60-A3D0-4E210559CC77}"/>
-              </a:ext>
-            </a:extLst>
-          </p:cNvPr>
-          <p:cNvSpPr txBox="1"/>
-          <p:nvPr/>
-        </p:nvSpPr>
-        <p:spPr>
-          <a:xfrm>
-            <a:off x="7080848" y="2182449"/>
-            <a:ext cx="4005905" cy="369332"/>
-          </a:xfrm>
-          <a:prstGeom prst="rect">
-            <a:avLst/>
-          </a:prstGeom>
-          <a:noFill/>
-        </p:spPr>
-        <p:txBody>
-          <a:bodyPr wrap="none" rtlCol="0">
-            <a:spAutoFit/>
-          </a:bodyPr>
-          <a:lstStyle/>
-          <a:p>
-            <a:r>
-              <a:rPr lang="en-US" dirty="0"/>
-              <a:t>Bound antibody number change in EC50 </a:t>
-            </a:r>
-          </a:p>
-        </p:txBody>
-      </p:sp>
     </p:spTree>
     <p:extLst>
       <p:ext uri="{BB962C8B-B14F-4D97-AF65-F5344CB8AC3E}">
@@ -4948,46 +5508,12 @@
           <a:chExt cx="0" cy="0"/>
         </a:xfrm>
       </p:grpSpPr>
-      <p:sp>
-        <p:nvSpPr>
-          <p:cNvPr id="2" name="Title 1">
-            <a:extLst>
-              <a:ext uri="{FF2B5EF4-FFF2-40B4-BE49-F238E27FC236}">
-                <a16:creationId xmlns:a16="http://schemas.microsoft.com/office/drawing/2014/main" id="{8B5A7FC6-44F3-1CBA-A03C-2A5B22DEC1F3}"/>
-              </a:ext>
-            </a:extLst>
-          </p:cNvPr>
-          <p:cNvSpPr>
-            <a:spLocks noGrp="1"/>
-          </p:cNvSpPr>
-          <p:nvPr>
-            <p:ph type="title"/>
-          </p:nvPr>
-        </p:nvSpPr>
-        <p:spPr>
-          <a:xfrm>
-            <a:off x="838200" y="-44848"/>
-            <a:ext cx="10515600" cy="1325563"/>
-          </a:xfrm>
-        </p:spPr>
-        <p:txBody>
-          <a:bodyPr/>
-          <a:lstStyle/>
-          <a:p>
-            <a:pPr algn="ctr"/>
-            <a:r>
-              <a:rPr lang="en-US" dirty="0"/>
-              <a:t>Change in EC50 heatmaps</a:t>
-            </a:r>
-          </a:p>
-        </p:txBody>
-      </p:sp>
       <p:pic>
         <p:nvPicPr>
-          <p:cNvPr id="5" name="Content Placeholder 4" descr="A close-up of a graph&#10;&#10;Description automatically generated">
-            <a:extLst>
-              <a:ext uri="{FF2B5EF4-FFF2-40B4-BE49-F238E27FC236}">
-                <a16:creationId xmlns:a16="http://schemas.microsoft.com/office/drawing/2014/main" id="{70CF48A1-A44C-A1E0-9DC5-9E043E30AF6C}"/>
+          <p:cNvPr id="5" name="Content Placeholder 4" descr="A graph of different colored bars&#10;&#10;Description automatically generated with medium confidence">
+            <a:extLst>
+              <a:ext uri="{FF2B5EF4-FFF2-40B4-BE49-F238E27FC236}">
+                <a16:creationId xmlns:a16="http://schemas.microsoft.com/office/drawing/2014/main" id="{DE82F74A-6502-12D2-936F-506304BB7364}"/>
               </a:ext>
             </a:extLst>
           </p:cNvPr>
@@ -5006,17 +5532,17 @@
         </p:blipFill>
         <p:spPr>
           <a:xfrm>
-            <a:off x="300073" y="2042318"/>
-            <a:ext cx="5978359" cy="4450557"/>
+            <a:off x="5911728" y="2342500"/>
+            <a:ext cx="6036784" cy="3622070"/>
           </a:xfrm>
         </p:spPr>
       </p:pic>
       <p:pic>
         <p:nvPicPr>
-          <p:cNvPr id="7" name="Picture 6" descr="A close-up of a gradient&#10;&#10;Description automatically generated">
-            <a:extLst>
-              <a:ext uri="{FF2B5EF4-FFF2-40B4-BE49-F238E27FC236}">
-                <a16:creationId xmlns:a16="http://schemas.microsoft.com/office/drawing/2014/main" id="{E242D836-5414-9AA5-9352-2151A33CF227}"/>
+          <p:cNvPr id="7" name="Picture 6" descr="A graph of different colored bars&#10;&#10;Description automatically generated with medium confidence">
+            <a:extLst>
+              <a:ext uri="{FF2B5EF4-FFF2-40B4-BE49-F238E27FC236}">
+                <a16:creationId xmlns:a16="http://schemas.microsoft.com/office/drawing/2014/main" id="{4E8F4196-435E-8695-A419-D5AFD2D243D1}"/>
               </a:ext>
             </a:extLst>
           </p:cNvPr>
@@ -5033,8 +5559,8 @@
         </p:blipFill>
         <p:spPr>
           <a:xfrm>
-            <a:off x="6278432" y="2185550"/>
-            <a:ext cx="5593556" cy="4164092"/>
+            <a:off x="176377" y="2275388"/>
+            <a:ext cx="6036784" cy="3622071"/>
           </a:xfrm>
           <a:prstGeom prst="rect">
             <a:avLst/>
@@ -5043,20 +5569,24 @@
       </p:pic>
       <p:sp>
         <p:nvSpPr>
-          <p:cNvPr id="8" name="TextBox 7">
-            <a:extLst>
-              <a:ext uri="{FF2B5EF4-FFF2-40B4-BE49-F238E27FC236}">
-                <a16:creationId xmlns:a16="http://schemas.microsoft.com/office/drawing/2014/main" id="{5DEB1350-1B79-9C5B-DD4F-970B97FF87EF}"/>
-              </a:ext>
-            </a:extLst>
-          </p:cNvPr>
-          <p:cNvSpPr txBox="1"/>
-          <p:nvPr/>
-        </p:nvSpPr>
-        <p:spPr>
-          <a:xfrm>
-            <a:off x="2362200" y="1838325"/>
-            <a:ext cx="1679755" cy="369332"/>
+          <p:cNvPr id="8" name="Title 7">
+            <a:extLst>
+              <a:ext uri="{FF2B5EF4-FFF2-40B4-BE49-F238E27FC236}">
+                <a16:creationId xmlns:a16="http://schemas.microsoft.com/office/drawing/2014/main" id="{3277C36A-E827-A2E5-B7CC-B2631903048B}"/>
+              </a:ext>
+            </a:extLst>
+          </p:cNvPr>
+          <p:cNvSpPr txBox="1">
+            <a:spLocks noGrp="1"/>
+          </p:cNvSpPr>
+          <p:nvPr>
+            <p:ph type="title"/>
+          </p:nvPr>
+        </p:nvSpPr>
+        <p:spPr>
+          <a:xfrm>
+            <a:off x="300759" y="609675"/>
+            <a:ext cx="11590481" cy="701731"/>
           </a:xfrm>
           <a:prstGeom prst="rect">
             <a:avLst/>
@@ -5071,77 +5601,15 @@
           <a:p>
             <a:r>
               <a:rPr lang="en-US" dirty="0"/>
-              <a:t>Bound antibody</a:t>
-            </a:r>
-          </a:p>
-        </p:txBody>
-      </p:sp>
-      <p:sp>
-        <p:nvSpPr>
-          <p:cNvPr id="9" name="TextBox 8">
-            <a:extLst>
-              <a:ext uri="{FF2B5EF4-FFF2-40B4-BE49-F238E27FC236}">
-                <a16:creationId xmlns:a16="http://schemas.microsoft.com/office/drawing/2014/main" id="{930B3ED8-3B7B-B1DF-8BE7-A1480AA6F896}"/>
-              </a:ext>
-            </a:extLst>
-          </p:cNvPr>
-          <p:cNvSpPr txBox="1"/>
-          <p:nvPr/>
-        </p:nvSpPr>
-        <p:spPr>
-          <a:xfrm>
-            <a:off x="7708238" y="1833920"/>
-            <a:ext cx="2080121" cy="369332"/>
-          </a:xfrm>
-          <a:prstGeom prst="rect">
-            <a:avLst/>
-          </a:prstGeom>
-          <a:noFill/>
-        </p:spPr>
-        <p:txBody>
-          <a:bodyPr wrap="none" rtlCol="0">
-            <a:spAutoFit/>
-          </a:bodyPr>
-          <a:lstStyle/>
-          <a:p>
+              <a:t>1e3&lt;</a:t>
+            </a:r>
+            <a:r>
+              <a:rPr lang="en-US" dirty="0" err="1"/>
+              <a:t>Rtot</a:t>
+            </a:r>
             <a:r>
               <a:rPr lang="en-US" dirty="0"/>
-              <a:t>Receptor occupancy</a:t>
-            </a:r>
-          </a:p>
-        </p:txBody>
-      </p:sp>
-      <p:sp>
-        <p:nvSpPr>
-          <p:cNvPr id="10" name="TextBox 9">
-            <a:extLst>
-              <a:ext uri="{FF2B5EF4-FFF2-40B4-BE49-F238E27FC236}">
-                <a16:creationId xmlns:a16="http://schemas.microsoft.com/office/drawing/2014/main" id="{4F14F983-3C6E-956D-3E38-BA31B1018502}"/>
-              </a:ext>
-            </a:extLst>
-          </p:cNvPr>
-          <p:cNvSpPr txBox="1"/>
-          <p:nvPr/>
-        </p:nvSpPr>
-        <p:spPr>
-          <a:xfrm>
-            <a:off x="4041955" y="1202035"/>
-            <a:ext cx="4024756" cy="369332"/>
-          </a:xfrm>
-          <a:prstGeom prst="rect">
-            <a:avLst/>
-          </a:prstGeom>
-          <a:noFill/>
-        </p:spPr>
-        <p:txBody>
-          <a:bodyPr wrap="none" rtlCol="0">
-            <a:spAutoFit/>
-          </a:bodyPr>
-          <a:lstStyle/>
-          <a:p>
-            <a:r>
-              <a:rPr lang="en-US" dirty="0"/>
-              <a:t>log10(mono ec50) – log10(bivalent ec50)</a:t>
+              <a:t> &lt;1e5 Change in  EC50 Sensitivity Analysis</a:t>
             </a:r>
           </a:p>
         </p:txBody>
@@ -5149,7 +5617,7 @@
     </p:spTree>
     <p:extLst>
       <p:ext uri="{BB962C8B-B14F-4D97-AF65-F5344CB8AC3E}">
-        <p14:creationId xmlns:p14="http://schemas.microsoft.com/office/powerpoint/2010/main" val="3253992006"/>
+        <p14:creationId xmlns:p14="http://schemas.microsoft.com/office/powerpoint/2010/main" val="114841421"/>
       </p:ext>
     </p:extLst>
   </p:cSld>

--- a/Presentations/Avidity investigation.pptx
+++ b/Presentations/Avidity investigation.pptx
@@ -271,7 +271,7 @@
           <a:p>
             <a:fld id="{7D91C327-072E-F74C-89A7-C05981E84368}" type="datetimeFigureOut">
               <a:rPr lang="en-US" smtClean="0"/>
-              <a:t>9/29/23</a:t>
+              <a:t>10/6/23</a:t>
             </a:fld>
             <a:endParaRPr lang="en-US"/>
           </a:p>
@@ -471,7 +471,7 @@
           <a:p>
             <a:fld id="{7D91C327-072E-F74C-89A7-C05981E84368}" type="datetimeFigureOut">
               <a:rPr lang="en-US" smtClean="0"/>
-              <a:t>9/29/23</a:t>
+              <a:t>10/6/23</a:t>
             </a:fld>
             <a:endParaRPr lang="en-US"/>
           </a:p>
@@ -681,7 +681,7 @@
           <a:p>
             <a:fld id="{7D91C327-072E-F74C-89A7-C05981E84368}" type="datetimeFigureOut">
               <a:rPr lang="en-US" smtClean="0"/>
-              <a:t>9/29/23</a:t>
+              <a:t>10/6/23</a:t>
             </a:fld>
             <a:endParaRPr lang="en-US"/>
           </a:p>
@@ -881,7 +881,7 @@
           <a:p>
             <a:fld id="{7D91C327-072E-F74C-89A7-C05981E84368}" type="datetimeFigureOut">
               <a:rPr lang="en-US" smtClean="0"/>
-              <a:t>9/29/23</a:t>
+              <a:t>10/6/23</a:t>
             </a:fld>
             <a:endParaRPr lang="en-US"/>
           </a:p>
@@ -1157,7 +1157,7 @@
           <a:p>
             <a:fld id="{7D91C327-072E-F74C-89A7-C05981E84368}" type="datetimeFigureOut">
               <a:rPr lang="en-US" smtClean="0"/>
-              <a:t>9/29/23</a:t>
+              <a:t>10/6/23</a:t>
             </a:fld>
             <a:endParaRPr lang="en-US"/>
           </a:p>
@@ -1425,7 +1425,7 @@
           <a:p>
             <a:fld id="{7D91C327-072E-F74C-89A7-C05981E84368}" type="datetimeFigureOut">
               <a:rPr lang="en-US" smtClean="0"/>
-              <a:t>9/29/23</a:t>
+              <a:t>10/6/23</a:t>
             </a:fld>
             <a:endParaRPr lang="en-US"/>
           </a:p>
@@ -1840,7 +1840,7 @@
           <a:p>
             <a:fld id="{7D91C327-072E-F74C-89A7-C05981E84368}" type="datetimeFigureOut">
               <a:rPr lang="en-US" smtClean="0"/>
-              <a:t>9/29/23</a:t>
+              <a:t>10/6/23</a:t>
             </a:fld>
             <a:endParaRPr lang="en-US"/>
           </a:p>
@@ -1982,7 +1982,7 @@
           <a:p>
             <a:fld id="{7D91C327-072E-F74C-89A7-C05981E84368}" type="datetimeFigureOut">
               <a:rPr lang="en-US" smtClean="0"/>
-              <a:t>9/29/23</a:t>
+              <a:t>10/6/23</a:t>
             </a:fld>
             <a:endParaRPr lang="en-US"/>
           </a:p>
@@ -2095,7 +2095,7 @@
           <a:p>
             <a:fld id="{7D91C327-072E-F74C-89A7-C05981E84368}" type="datetimeFigureOut">
               <a:rPr lang="en-US" smtClean="0"/>
-              <a:t>9/29/23</a:t>
+              <a:t>10/6/23</a:t>
             </a:fld>
             <a:endParaRPr lang="en-US"/>
           </a:p>
@@ -2408,7 +2408,7 @@
           <a:p>
             <a:fld id="{7D91C327-072E-F74C-89A7-C05981E84368}" type="datetimeFigureOut">
               <a:rPr lang="en-US" smtClean="0"/>
-              <a:t>9/29/23</a:t>
+              <a:t>10/6/23</a:t>
             </a:fld>
             <a:endParaRPr lang="en-US"/>
           </a:p>
@@ -2697,7 +2697,7 @@
           <a:p>
             <a:fld id="{7D91C327-072E-F74C-89A7-C05981E84368}" type="datetimeFigureOut">
               <a:rPr lang="en-US" smtClean="0"/>
-              <a:t>9/29/23</a:t>
+              <a:t>10/6/23</a:t>
             </a:fld>
             <a:endParaRPr lang="en-US"/>
           </a:p>
@@ -2940,7 +2940,7 @@
           <a:p>
             <a:fld id="{7D91C327-072E-F74C-89A7-C05981E84368}" type="datetimeFigureOut">
               <a:rPr lang="en-US" smtClean="0"/>
-              <a:t>9/29/23</a:t>
+              <a:t>10/6/23</a:t>
             </a:fld>
             <a:endParaRPr lang="en-US"/>
           </a:p>
